--- a/事前準備.pptx
+++ b/事前準備.pptx
@@ -105,6 +105,11 @@
       </a:defRPr>
     </a:lvl9pPr>
   </p:defaultTextStyle>
+  <p:extLst>
+    <p:ext uri="{EFAFB233-063F-42B5-8137-9DF3F51BA10A}">
+      <p15:sldGuideLst xmlns:p15="http://schemas.microsoft.com/office/powerpoint/2012/main"/>
+    </p:ext>
+  </p:extLst>
 </p:presentation>
 </file>
 
@@ -255,7 +260,7 @@
           <a:p>
             <a:fld id="{E27994D1-7DAC-4339-99F3-933FAE65E2D2}" type="datetimeFigureOut">
               <a:rPr kumimoji="1" lang="ja-JP" altLang="en-US" smtClean="0"/>
-              <a:t>2020/9/23</a:t>
+              <a:t>2020/9/24</a:t>
             </a:fld>
             <a:endParaRPr kumimoji="1" lang="ja-JP" altLang="en-US"/>
           </a:p>
@@ -485,7 +490,7 @@
           <a:p>
             <a:fld id="{E27994D1-7DAC-4339-99F3-933FAE65E2D2}" type="datetimeFigureOut">
               <a:rPr kumimoji="1" lang="ja-JP" altLang="en-US" smtClean="0"/>
-              <a:t>2020/9/23</a:t>
+              <a:t>2020/9/24</a:t>
             </a:fld>
             <a:endParaRPr kumimoji="1" lang="ja-JP" altLang="en-US"/>
           </a:p>
@@ -725,7 +730,7 @@
           <a:p>
             <a:fld id="{E27994D1-7DAC-4339-99F3-933FAE65E2D2}" type="datetimeFigureOut">
               <a:rPr kumimoji="1" lang="ja-JP" altLang="en-US" smtClean="0"/>
-              <a:t>2020/9/23</a:t>
+              <a:t>2020/9/24</a:t>
             </a:fld>
             <a:endParaRPr kumimoji="1" lang="ja-JP" altLang="en-US"/>
           </a:p>
@@ -955,7 +960,7 @@
           <a:p>
             <a:fld id="{E27994D1-7DAC-4339-99F3-933FAE65E2D2}" type="datetimeFigureOut">
               <a:rPr kumimoji="1" lang="ja-JP" altLang="en-US" smtClean="0"/>
-              <a:t>2020/9/23</a:t>
+              <a:t>2020/9/24</a:t>
             </a:fld>
             <a:endParaRPr kumimoji="1" lang="ja-JP" altLang="en-US"/>
           </a:p>
@@ -1230,7 +1235,7 @@
           <a:p>
             <a:fld id="{E27994D1-7DAC-4339-99F3-933FAE65E2D2}" type="datetimeFigureOut">
               <a:rPr kumimoji="1" lang="ja-JP" altLang="en-US" smtClean="0"/>
-              <a:t>2020/9/23</a:t>
+              <a:t>2020/9/24</a:t>
             </a:fld>
             <a:endParaRPr kumimoji="1" lang="ja-JP" altLang="en-US"/>
           </a:p>
@@ -1559,7 +1564,7 @@
           <a:p>
             <a:fld id="{E27994D1-7DAC-4339-99F3-933FAE65E2D2}" type="datetimeFigureOut">
               <a:rPr kumimoji="1" lang="ja-JP" altLang="en-US" smtClean="0"/>
-              <a:t>2020/9/23</a:t>
+              <a:t>2020/9/24</a:t>
             </a:fld>
             <a:endParaRPr kumimoji="1" lang="ja-JP" altLang="en-US"/>
           </a:p>
@@ -2035,7 +2040,7 @@
           <a:p>
             <a:fld id="{E27994D1-7DAC-4339-99F3-933FAE65E2D2}" type="datetimeFigureOut">
               <a:rPr kumimoji="1" lang="ja-JP" altLang="en-US" smtClean="0"/>
-              <a:t>2020/9/23</a:t>
+              <a:t>2020/9/24</a:t>
             </a:fld>
             <a:endParaRPr kumimoji="1" lang="ja-JP" altLang="en-US"/>
           </a:p>
@@ -2176,7 +2181,7 @@
           <a:p>
             <a:fld id="{E27994D1-7DAC-4339-99F3-933FAE65E2D2}" type="datetimeFigureOut">
               <a:rPr kumimoji="1" lang="ja-JP" altLang="en-US" smtClean="0"/>
-              <a:t>2020/9/23</a:t>
+              <a:t>2020/9/24</a:t>
             </a:fld>
             <a:endParaRPr kumimoji="1" lang="ja-JP" altLang="en-US"/>
           </a:p>
@@ -2289,7 +2294,7 @@
           <a:p>
             <a:fld id="{E27994D1-7DAC-4339-99F3-933FAE65E2D2}" type="datetimeFigureOut">
               <a:rPr kumimoji="1" lang="ja-JP" altLang="en-US" smtClean="0"/>
-              <a:t>2020/9/23</a:t>
+              <a:t>2020/9/24</a:t>
             </a:fld>
             <a:endParaRPr kumimoji="1" lang="ja-JP" altLang="en-US"/>
           </a:p>
@@ -2632,7 +2637,7 @@
           <a:p>
             <a:fld id="{E27994D1-7DAC-4339-99F3-933FAE65E2D2}" type="datetimeFigureOut">
               <a:rPr kumimoji="1" lang="ja-JP" altLang="en-US" smtClean="0"/>
-              <a:t>2020/9/23</a:t>
+              <a:t>2020/9/24</a:t>
             </a:fld>
             <a:endParaRPr kumimoji="1" lang="ja-JP" altLang="en-US"/>
           </a:p>
@@ -2920,7 +2925,7 @@
           <a:p>
             <a:fld id="{E27994D1-7DAC-4339-99F3-933FAE65E2D2}" type="datetimeFigureOut">
               <a:rPr kumimoji="1" lang="ja-JP" altLang="en-US" smtClean="0"/>
-              <a:t>2020/9/23</a:t>
+              <a:t>2020/9/24</a:t>
             </a:fld>
             <a:endParaRPr kumimoji="1" lang="ja-JP" altLang="en-US"/>
           </a:p>
@@ -3193,7 +3198,7 @@
           <a:p>
             <a:fld id="{E27994D1-7DAC-4339-99F3-933FAE65E2D2}" type="datetimeFigureOut">
               <a:rPr kumimoji="1" lang="ja-JP" altLang="en-US" smtClean="0"/>
-              <a:t>2020/9/23</a:t>
+              <a:t>2020/9/24</a:t>
             </a:fld>
             <a:endParaRPr kumimoji="1" lang="ja-JP" altLang="en-US"/>
           </a:p>
@@ -3757,14 +3762,23 @@
           </a:p>
           <a:p>
             <a:r>
-              <a:rPr kumimoji="1" lang="en-US" altLang="ja-JP" sz="2400" dirty="0" err="1">
+              <a:rPr lang="en-US" altLang="ja-JP" sz="2400" dirty="0" err="1">
                 <a:hlinkClick r:id="rId3"/>
               </a:rPr>
+              <a:t>pysptk</a:t>
+            </a:r>
+            <a:endParaRPr lang="en-US" altLang="ja-JP" sz="2400" dirty="0"/>
+          </a:p>
+          <a:p>
+            <a:r>
+              <a:rPr kumimoji="1" lang="en-US" altLang="ja-JP" sz="2400" dirty="0" err="1">
+                <a:hlinkClick r:id="rId4"/>
+              </a:rPr>
               <a:t>py</a:t>
             </a:r>
             <a:r>
               <a:rPr lang="en-US" altLang="ja-JP" sz="2400" dirty="0" err="1">
-                <a:hlinkClick r:id="rId3"/>
+                <a:hlinkClick r:id="rId4"/>
               </a:rPr>
               <a:t>reaper</a:t>
             </a:r>
@@ -3885,13 +3899,17 @@
           </a:p>
           <a:p>
             <a:r>
-              <a:rPr lang="ja-JP" altLang="en-US" sz="2400" dirty="0"/>
-              <a:t>リンク先を参照に先に</a:t>
-            </a:r>
-            <a:r>
-              <a:rPr lang="en-US" altLang="ja-JP" sz="2400" dirty="0">
+              <a:rPr lang="ja-JP" altLang="en-US" sz="2400" dirty="0">
                 <a:hlinkClick r:id="rId2"/>
               </a:rPr>
+              <a:t>リンク先</a:t>
+            </a:r>
+            <a:r>
+              <a:rPr lang="ja-JP" altLang="en-US" sz="2400" dirty="0"/>
+              <a:t>を参照に先に</a:t>
+            </a:r>
+            <a:r>
+              <a:rPr lang="en-US" altLang="ja-JP" sz="2400" dirty="0"/>
               <a:t>MSVC 140</a:t>
             </a:r>
             <a:r>

--- a/事前準備.pptx
+++ b/事前準備.pptx
@@ -5,8 +5,10 @@
     <p:sldMasterId id="2147483648" r:id="rId1"/>
   </p:sldMasterIdLst>
   <p:sldIdLst>
-    <p:sldId id="257" r:id="rId2"/>
+    <p:sldId id="259" r:id="rId2"/>
     <p:sldId id="258" r:id="rId3"/>
+    <p:sldId id="260" r:id="rId4"/>
+    <p:sldId id="261" r:id="rId5"/>
   </p:sldIdLst>
   <p:sldSz cx="12192000" cy="6858000"/>
   <p:notesSz cx="6858000" cy="9144000"/>
@@ -260,7 +262,7 @@
           <a:p>
             <a:fld id="{E27994D1-7DAC-4339-99F3-933FAE65E2D2}" type="datetimeFigureOut">
               <a:rPr kumimoji="1" lang="ja-JP" altLang="en-US" smtClean="0"/>
-              <a:t>2020/9/24</a:t>
+              <a:t>2020/10/4</a:t>
             </a:fld>
             <a:endParaRPr kumimoji="1" lang="ja-JP" altLang="en-US"/>
           </a:p>
@@ -490,7 +492,7 @@
           <a:p>
             <a:fld id="{E27994D1-7DAC-4339-99F3-933FAE65E2D2}" type="datetimeFigureOut">
               <a:rPr kumimoji="1" lang="ja-JP" altLang="en-US" smtClean="0"/>
-              <a:t>2020/9/24</a:t>
+              <a:t>2020/10/4</a:t>
             </a:fld>
             <a:endParaRPr kumimoji="1" lang="ja-JP" altLang="en-US"/>
           </a:p>
@@ -730,7 +732,7 @@
           <a:p>
             <a:fld id="{E27994D1-7DAC-4339-99F3-933FAE65E2D2}" type="datetimeFigureOut">
               <a:rPr kumimoji="1" lang="ja-JP" altLang="en-US" smtClean="0"/>
-              <a:t>2020/9/24</a:t>
+              <a:t>2020/10/4</a:t>
             </a:fld>
             <a:endParaRPr kumimoji="1" lang="ja-JP" altLang="en-US"/>
           </a:p>
@@ -960,7 +962,7 @@
           <a:p>
             <a:fld id="{E27994D1-7DAC-4339-99F3-933FAE65E2D2}" type="datetimeFigureOut">
               <a:rPr kumimoji="1" lang="ja-JP" altLang="en-US" smtClean="0"/>
-              <a:t>2020/9/24</a:t>
+              <a:t>2020/10/4</a:t>
             </a:fld>
             <a:endParaRPr kumimoji="1" lang="ja-JP" altLang="en-US"/>
           </a:p>
@@ -1235,7 +1237,7 @@
           <a:p>
             <a:fld id="{E27994D1-7DAC-4339-99F3-933FAE65E2D2}" type="datetimeFigureOut">
               <a:rPr kumimoji="1" lang="ja-JP" altLang="en-US" smtClean="0"/>
-              <a:t>2020/9/24</a:t>
+              <a:t>2020/10/4</a:t>
             </a:fld>
             <a:endParaRPr kumimoji="1" lang="ja-JP" altLang="en-US"/>
           </a:p>
@@ -1564,7 +1566,7 @@
           <a:p>
             <a:fld id="{E27994D1-7DAC-4339-99F3-933FAE65E2D2}" type="datetimeFigureOut">
               <a:rPr kumimoji="1" lang="ja-JP" altLang="en-US" smtClean="0"/>
-              <a:t>2020/9/24</a:t>
+              <a:t>2020/10/4</a:t>
             </a:fld>
             <a:endParaRPr kumimoji="1" lang="ja-JP" altLang="en-US"/>
           </a:p>
@@ -2040,7 +2042,7 @@
           <a:p>
             <a:fld id="{E27994D1-7DAC-4339-99F3-933FAE65E2D2}" type="datetimeFigureOut">
               <a:rPr kumimoji="1" lang="ja-JP" altLang="en-US" smtClean="0"/>
-              <a:t>2020/9/24</a:t>
+              <a:t>2020/10/4</a:t>
             </a:fld>
             <a:endParaRPr kumimoji="1" lang="ja-JP" altLang="en-US"/>
           </a:p>
@@ -2181,7 +2183,7 @@
           <a:p>
             <a:fld id="{E27994D1-7DAC-4339-99F3-933FAE65E2D2}" type="datetimeFigureOut">
               <a:rPr kumimoji="1" lang="ja-JP" altLang="en-US" smtClean="0"/>
-              <a:t>2020/9/24</a:t>
+              <a:t>2020/10/4</a:t>
             </a:fld>
             <a:endParaRPr kumimoji="1" lang="ja-JP" altLang="en-US"/>
           </a:p>
@@ -2294,7 +2296,7 @@
           <a:p>
             <a:fld id="{E27994D1-7DAC-4339-99F3-933FAE65E2D2}" type="datetimeFigureOut">
               <a:rPr kumimoji="1" lang="ja-JP" altLang="en-US" smtClean="0"/>
-              <a:t>2020/9/24</a:t>
+              <a:t>2020/10/4</a:t>
             </a:fld>
             <a:endParaRPr kumimoji="1" lang="ja-JP" altLang="en-US"/>
           </a:p>
@@ -2637,7 +2639,7 @@
           <a:p>
             <a:fld id="{E27994D1-7DAC-4339-99F3-933FAE65E2D2}" type="datetimeFigureOut">
               <a:rPr kumimoji="1" lang="ja-JP" altLang="en-US" smtClean="0"/>
-              <a:t>2020/9/24</a:t>
+              <a:t>2020/10/4</a:t>
             </a:fld>
             <a:endParaRPr kumimoji="1" lang="ja-JP" altLang="en-US"/>
           </a:p>
@@ -2925,7 +2927,7 @@
           <a:p>
             <a:fld id="{E27994D1-7DAC-4339-99F3-933FAE65E2D2}" type="datetimeFigureOut">
               <a:rPr kumimoji="1" lang="ja-JP" altLang="en-US" smtClean="0"/>
-              <a:t>2020/9/24</a:t>
+              <a:t>2020/10/4</a:t>
             </a:fld>
             <a:endParaRPr kumimoji="1" lang="ja-JP" altLang="en-US"/>
           </a:p>
@@ -3198,7 +3200,7 @@
           <a:p>
             <a:fld id="{E27994D1-7DAC-4339-99F3-933FAE65E2D2}" type="datetimeFigureOut">
               <a:rPr kumimoji="1" lang="ja-JP" altLang="en-US" smtClean="0"/>
-              <a:t>2020/9/24</a:t>
+              <a:t>2020/10/4</a:t>
             </a:fld>
             <a:endParaRPr kumimoji="1" lang="ja-JP" altLang="en-US"/>
           </a:p>
@@ -3620,7 +3622,7 @@
           <p:cNvPr id="2" name="タイトル 1">
             <a:extLst>
               <a:ext uri="{FF2B5EF4-FFF2-40B4-BE49-F238E27FC236}">
-                <a16:creationId xmlns:a16="http://schemas.microsoft.com/office/drawing/2014/main" id="{DD57EDBC-4FCB-4A03-BDE3-FD618218C04A}"/>
+                <a16:creationId xmlns:a16="http://schemas.microsoft.com/office/drawing/2014/main" id="{D32B1BC6-33BC-423F-9585-AD2148A19BE8}"/>
               </a:ext>
             </a:extLst>
           </p:cNvPr>
@@ -3637,159 +3639,829 @@
           <a:lstStyle/>
           <a:p>
             <a:r>
+              <a:rPr kumimoji="1" lang="ja-JP" altLang="en-US" dirty="0"/>
+              <a:t>準備のフロー</a:t>
+            </a:r>
+          </a:p>
+        </p:txBody>
+      </p:sp>
+      <p:sp>
+        <p:nvSpPr>
+          <p:cNvPr id="5" name="フローチャート: 判断 4">
+            <a:extLst>
+              <a:ext uri="{FF2B5EF4-FFF2-40B4-BE49-F238E27FC236}">
+                <a16:creationId xmlns:a16="http://schemas.microsoft.com/office/drawing/2014/main" id="{0E3C710C-392B-4B27-A9A7-CA328B470DA7}"/>
+              </a:ext>
+            </a:extLst>
+          </p:cNvPr>
+          <p:cNvSpPr/>
+          <p:nvPr/>
+        </p:nvSpPr>
+        <p:spPr>
+          <a:xfrm>
+            <a:off x="838200" y="1576139"/>
+            <a:ext cx="2478796" cy="895120"/>
+          </a:xfrm>
+          <a:prstGeom prst="flowChartDecision">
+            <a:avLst/>
+          </a:prstGeom>
+        </p:spPr>
+        <p:style>
+          <a:lnRef idx="2">
+            <a:schemeClr val="dk1"/>
+          </a:lnRef>
+          <a:fillRef idx="1">
+            <a:schemeClr val="lt1"/>
+          </a:fillRef>
+          <a:effectRef idx="0">
+            <a:schemeClr val="dk1"/>
+          </a:effectRef>
+          <a:fontRef idx="minor">
+            <a:schemeClr val="dk1"/>
+          </a:fontRef>
+        </p:style>
+        <p:txBody>
+          <a:bodyPr rtlCol="0" anchor="ctr"/>
+          <a:lstStyle/>
+          <a:p>
+            <a:pPr algn="ctr"/>
+            <a:r>
+              <a:rPr kumimoji="1" lang="en-US" altLang="ja-JP" dirty="0"/>
+              <a:t>OS</a:t>
+            </a:r>
+            <a:r>
+              <a:rPr kumimoji="1" lang="ja-JP" altLang="en-US" dirty="0"/>
+              <a:t>は</a:t>
+            </a:r>
+            <a:r>
+              <a:rPr kumimoji="1" lang="en-US" altLang="ja-JP" dirty="0"/>
+              <a:t>…</a:t>
+            </a:r>
+            <a:endParaRPr kumimoji="1" lang="ja-JP" altLang="en-US" dirty="0"/>
+          </a:p>
+        </p:txBody>
+      </p:sp>
+      <p:sp>
+        <p:nvSpPr>
+          <p:cNvPr id="6" name="正方形/長方形 5">
+            <a:extLst>
+              <a:ext uri="{FF2B5EF4-FFF2-40B4-BE49-F238E27FC236}">
+                <a16:creationId xmlns:a16="http://schemas.microsoft.com/office/drawing/2014/main" id="{8EDC0A66-9197-4A5C-BB5A-BD59BC096E70}"/>
+              </a:ext>
+            </a:extLst>
+          </p:cNvPr>
+          <p:cNvSpPr/>
+          <p:nvPr/>
+        </p:nvSpPr>
+        <p:spPr>
+          <a:xfrm>
+            <a:off x="838200" y="2762998"/>
+            <a:ext cx="2478796" cy="895120"/>
+          </a:xfrm>
+          <a:prstGeom prst="rect">
+            <a:avLst/>
+          </a:prstGeom>
+        </p:spPr>
+        <p:style>
+          <a:lnRef idx="2">
+            <a:schemeClr val="accent1"/>
+          </a:lnRef>
+          <a:fillRef idx="1">
+            <a:schemeClr val="lt1"/>
+          </a:fillRef>
+          <a:effectRef idx="0">
+            <a:schemeClr val="accent1"/>
+          </a:effectRef>
+          <a:fontRef idx="minor">
+            <a:schemeClr val="dk1"/>
+          </a:fontRef>
+        </p:style>
+        <p:txBody>
+          <a:bodyPr rtlCol="0" anchor="ctr"/>
+          <a:lstStyle/>
+          <a:p>
+            <a:pPr algn="ctr"/>
+            <a:r>
+              <a:rPr kumimoji="1" lang="en-US" altLang="ja-JP" dirty="0"/>
+              <a:t>MSCV</a:t>
+            </a:r>
+            <a:r>
               <a:rPr lang="ja-JP" altLang="en-US" dirty="0"/>
-              <a:t>必要</a:t>
-            </a:r>
+              <a:t> </a:t>
+            </a:r>
+            <a:r>
+              <a:rPr lang="en-US" altLang="ja-JP" dirty="0"/>
+              <a:t>140</a:t>
+            </a:r>
+            <a:r>
+              <a:rPr lang="ja-JP" altLang="en-US" dirty="0"/>
+              <a:t>を</a:t>
+            </a:r>
+            <a:endParaRPr lang="en-US" altLang="ja-JP" dirty="0"/>
+          </a:p>
+          <a:p>
+            <a:pPr algn="ctr"/>
             <a:r>
               <a:rPr kumimoji="1" lang="ja-JP" altLang="en-US" dirty="0"/>
-              <a:t>環境</a:t>
-            </a:r>
-          </a:p>
-        </p:txBody>
-      </p:sp>
-      <p:sp>
-        <p:nvSpPr>
-          <p:cNvPr id="3" name="コンテンツ プレースホルダー 2">
-            <a:extLst>
-              <a:ext uri="{FF2B5EF4-FFF2-40B4-BE49-F238E27FC236}">
-                <a16:creationId xmlns:a16="http://schemas.microsoft.com/office/drawing/2014/main" id="{EFD52F94-27C1-4D75-A80F-7F7A208DC428}"/>
-              </a:ext>
-            </a:extLst>
-          </p:cNvPr>
-          <p:cNvSpPr>
-            <a:spLocks noGrp="1"/>
-          </p:cNvSpPr>
-          <p:nvPr>
-            <p:ph idx="1"/>
-          </p:nvPr>
-        </p:nvSpPr>
-        <p:spPr/>
-        <p:txBody>
-          <a:bodyPr>
-            <a:normAutofit/>
+              <a:t>インストール</a:t>
+            </a:r>
+          </a:p>
+        </p:txBody>
+      </p:sp>
+      <p:sp>
+        <p:nvSpPr>
+          <p:cNvPr id="7" name="正方形/長方形 6">
+            <a:extLst>
+              <a:ext uri="{FF2B5EF4-FFF2-40B4-BE49-F238E27FC236}">
+                <a16:creationId xmlns:a16="http://schemas.microsoft.com/office/drawing/2014/main" id="{5FC8A3D7-C543-4175-9D86-92222A9EFD21}"/>
+              </a:ext>
+            </a:extLst>
+          </p:cNvPr>
+          <p:cNvSpPr/>
+          <p:nvPr/>
+        </p:nvSpPr>
+        <p:spPr>
+          <a:xfrm>
+            <a:off x="838200" y="3991129"/>
+            <a:ext cx="2478796" cy="895120"/>
+          </a:xfrm>
+          <a:prstGeom prst="rect">
+            <a:avLst/>
+          </a:prstGeom>
+        </p:spPr>
+        <p:style>
+          <a:lnRef idx="2">
+            <a:schemeClr val="accent1"/>
+          </a:lnRef>
+          <a:fillRef idx="1">
+            <a:schemeClr val="lt1"/>
+          </a:fillRef>
+          <a:effectRef idx="0">
+            <a:schemeClr val="accent1"/>
+          </a:effectRef>
+          <a:fontRef idx="minor">
+            <a:schemeClr val="dk1"/>
+          </a:fontRef>
+        </p:style>
+        <p:txBody>
+          <a:bodyPr rtlCol="0" anchor="ctr"/>
+          <a:lstStyle/>
+          <a:p>
+            <a:pPr algn="ctr"/>
+            <a:r>
+              <a:rPr lang="en-US" altLang="ja-JP" dirty="0"/>
+              <a:t>Anaconda</a:t>
+            </a:r>
+            <a:r>
+              <a:rPr lang="ja-JP" altLang="en-US" dirty="0"/>
+              <a:t>を</a:t>
+            </a:r>
+            <a:endParaRPr lang="en-US" altLang="ja-JP" dirty="0"/>
+          </a:p>
+          <a:p>
+            <a:pPr algn="ctr"/>
+            <a:r>
+              <a:rPr kumimoji="1" lang="ja-JP" altLang="en-US" dirty="0"/>
+              <a:t>インストール</a:t>
+            </a:r>
+          </a:p>
+        </p:txBody>
+      </p:sp>
+      <p:sp>
+        <p:nvSpPr>
+          <p:cNvPr id="8" name="正方形/長方形 7">
+            <a:extLst>
+              <a:ext uri="{FF2B5EF4-FFF2-40B4-BE49-F238E27FC236}">
+                <a16:creationId xmlns:a16="http://schemas.microsoft.com/office/drawing/2014/main" id="{4FA7C48E-26F3-47B0-9C5C-DC0DE5E01B24}"/>
+              </a:ext>
+            </a:extLst>
+          </p:cNvPr>
+          <p:cNvSpPr/>
+          <p:nvPr/>
+        </p:nvSpPr>
+        <p:spPr>
+          <a:xfrm>
+            <a:off x="4305759" y="1576139"/>
+            <a:ext cx="2478796" cy="895120"/>
+          </a:xfrm>
+          <a:prstGeom prst="rect">
+            <a:avLst/>
+          </a:prstGeom>
+        </p:spPr>
+        <p:style>
+          <a:lnRef idx="2">
+            <a:schemeClr val="accent6"/>
+          </a:lnRef>
+          <a:fillRef idx="1">
+            <a:schemeClr val="lt1"/>
+          </a:fillRef>
+          <a:effectRef idx="0">
+            <a:schemeClr val="accent6"/>
+          </a:effectRef>
+          <a:fontRef idx="minor">
+            <a:schemeClr val="dk1"/>
+          </a:fontRef>
+        </p:style>
+        <p:txBody>
+          <a:bodyPr rtlCol="0" anchor="ctr"/>
+          <a:lstStyle/>
+          <a:p>
+            <a:pPr algn="ctr"/>
+            <a:r>
+              <a:rPr kumimoji="1" lang="en-US" altLang="ja-JP" dirty="0"/>
+              <a:t>Homebrew</a:t>
+            </a:r>
+            <a:r>
+              <a:rPr kumimoji="1" lang="ja-JP" altLang="en-US" dirty="0"/>
+              <a:t>を</a:t>
+            </a:r>
+            <a:endParaRPr kumimoji="1" lang="en-US" altLang="ja-JP" dirty="0"/>
+          </a:p>
+          <a:p>
+            <a:pPr algn="ctr"/>
+            <a:r>
+              <a:rPr lang="ja-JP" altLang="en-US" dirty="0"/>
+              <a:t>インストール</a:t>
+            </a:r>
+            <a:endParaRPr kumimoji="1" lang="ja-JP" altLang="en-US" dirty="0"/>
+          </a:p>
+        </p:txBody>
+      </p:sp>
+      <p:sp>
+        <p:nvSpPr>
+          <p:cNvPr id="9" name="正方形/長方形 8">
+            <a:extLst>
+              <a:ext uri="{FF2B5EF4-FFF2-40B4-BE49-F238E27FC236}">
+                <a16:creationId xmlns:a16="http://schemas.microsoft.com/office/drawing/2014/main" id="{CBBB5F3F-D455-4954-8A0B-0A851DA6117F}"/>
+              </a:ext>
+            </a:extLst>
+          </p:cNvPr>
+          <p:cNvSpPr/>
+          <p:nvPr/>
+        </p:nvSpPr>
+        <p:spPr>
+          <a:xfrm>
+            <a:off x="4305759" y="2764011"/>
+            <a:ext cx="2478796" cy="895120"/>
+          </a:xfrm>
+          <a:prstGeom prst="rect">
+            <a:avLst/>
+          </a:prstGeom>
+        </p:spPr>
+        <p:style>
+          <a:lnRef idx="2">
+            <a:schemeClr val="accent6"/>
+          </a:lnRef>
+          <a:fillRef idx="1">
+            <a:schemeClr val="lt1"/>
+          </a:fillRef>
+          <a:effectRef idx="0">
+            <a:schemeClr val="accent6"/>
+          </a:effectRef>
+          <a:fontRef idx="minor">
+            <a:schemeClr val="dk1"/>
+          </a:fontRef>
+        </p:style>
+        <p:txBody>
+          <a:bodyPr rtlCol="0" anchor="ctr"/>
+          <a:lstStyle/>
+          <a:p>
+            <a:pPr algn="ctr"/>
+            <a:r>
+              <a:rPr kumimoji="1" lang="en-US" altLang="ja-JP" dirty="0"/>
+              <a:t>Homebrew</a:t>
+            </a:r>
+            <a:r>
+              <a:rPr kumimoji="1" lang="ja-JP" altLang="en-US" dirty="0"/>
+              <a:t>を使</a:t>
+            </a:r>
+            <a:r>
+              <a:rPr lang="ja-JP" altLang="en-US" dirty="0"/>
+              <a:t>って</a:t>
+            </a:r>
+            <a:endParaRPr kumimoji="1" lang="en-US" altLang="ja-JP" dirty="0"/>
+          </a:p>
+          <a:p>
+            <a:pPr algn="ctr"/>
+            <a:r>
+              <a:rPr lang="en-US" altLang="ja-JP" dirty="0" err="1"/>
+              <a:t>pyenv</a:t>
+            </a:r>
+            <a:r>
+              <a:rPr lang="ja-JP" altLang="en-US" dirty="0"/>
+              <a:t>をインストール</a:t>
+            </a:r>
+            <a:endParaRPr kumimoji="1" lang="ja-JP" altLang="en-US" dirty="0"/>
+          </a:p>
+        </p:txBody>
+      </p:sp>
+      <p:sp>
+        <p:nvSpPr>
+          <p:cNvPr id="10" name="正方形/長方形 9">
+            <a:extLst>
+              <a:ext uri="{FF2B5EF4-FFF2-40B4-BE49-F238E27FC236}">
+                <a16:creationId xmlns:a16="http://schemas.microsoft.com/office/drawing/2014/main" id="{44DD6689-65FB-42AF-ABA8-DACA73A867B3}"/>
+              </a:ext>
+            </a:extLst>
+          </p:cNvPr>
+          <p:cNvSpPr/>
+          <p:nvPr/>
+        </p:nvSpPr>
+        <p:spPr>
+          <a:xfrm>
+            <a:off x="4305759" y="3991129"/>
+            <a:ext cx="2478796" cy="895120"/>
+          </a:xfrm>
+          <a:prstGeom prst="rect">
+            <a:avLst/>
+          </a:prstGeom>
+        </p:spPr>
+        <p:style>
+          <a:lnRef idx="2">
+            <a:schemeClr val="accent6"/>
+          </a:lnRef>
+          <a:fillRef idx="1">
+            <a:schemeClr val="lt1"/>
+          </a:fillRef>
+          <a:effectRef idx="0">
+            <a:schemeClr val="accent6"/>
+          </a:effectRef>
+          <a:fontRef idx="minor">
+            <a:schemeClr val="dk1"/>
+          </a:fontRef>
+        </p:style>
+        <p:txBody>
+          <a:bodyPr rtlCol="0" anchor="ctr"/>
+          <a:lstStyle/>
+          <a:p>
+            <a:pPr algn="ctr"/>
+            <a:r>
+              <a:rPr kumimoji="1" lang="en-US" altLang="ja-JP" dirty="0" err="1"/>
+              <a:t>pyenv</a:t>
+            </a:r>
+            <a:r>
+              <a:rPr kumimoji="1" lang="ja-JP" altLang="en-US" dirty="0"/>
+              <a:t>を使って</a:t>
+            </a:r>
+            <a:endParaRPr kumimoji="1" lang="en-US" altLang="ja-JP" dirty="0"/>
+          </a:p>
+          <a:p>
+            <a:pPr algn="ctr"/>
+            <a:r>
+              <a:rPr lang="en-US" altLang="ja-JP" dirty="0"/>
+              <a:t>Anaconda</a:t>
+            </a:r>
+            <a:r>
+              <a:rPr lang="ja-JP" altLang="en-US" dirty="0"/>
+              <a:t>を</a:t>
+            </a:r>
+            <a:endParaRPr lang="en-US" altLang="ja-JP" dirty="0"/>
+          </a:p>
+          <a:p>
+            <a:pPr algn="ctr"/>
+            <a:r>
+              <a:rPr kumimoji="1" lang="ja-JP" altLang="en-US" dirty="0"/>
+              <a:t>インストール</a:t>
+            </a:r>
+          </a:p>
+        </p:txBody>
+      </p:sp>
+      <p:cxnSp>
+        <p:nvCxnSpPr>
+          <p:cNvPr id="12" name="直線矢印コネクタ 11">
+            <a:extLst>
+              <a:ext uri="{FF2B5EF4-FFF2-40B4-BE49-F238E27FC236}">
+                <a16:creationId xmlns:a16="http://schemas.microsoft.com/office/drawing/2014/main" id="{0CAB33B1-BBA9-48D4-BCB7-D72C0FD6B434}"/>
+              </a:ext>
+            </a:extLst>
+          </p:cNvPr>
+          <p:cNvCxnSpPr>
+            <a:stCxn id="5" idx="2"/>
+            <a:endCxn id="6" idx="0"/>
+          </p:cNvCxnSpPr>
+          <p:nvPr/>
+        </p:nvCxnSpPr>
+        <p:spPr>
+          <a:xfrm>
+            <a:off x="2077598" y="2471259"/>
+            <a:ext cx="0" cy="291739"/>
+          </a:xfrm>
+          <a:prstGeom prst="straightConnector1">
+            <a:avLst/>
+          </a:prstGeom>
+          <a:ln>
+            <a:tailEnd type="triangle"/>
+          </a:ln>
+        </p:spPr>
+        <p:style>
+          <a:lnRef idx="1">
+            <a:schemeClr val="dk1"/>
+          </a:lnRef>
+          <a:fillRef idx="0">
+            <a:schemeClr val="dk1"/>
+          </a:fillRef>
+          <a:effectRef idx="0">
+            <a:schemeClr val="dk1"/>
+          </a:effectRef>
+          <a:fontRef idx="minor">
+            <a:schemeClr val="tx1"/>
+          </a:fontRef>
+        </p:style>
+      </p:cxnSp>
+      <p:cxnSp>
+        <p:nvCxnSpPr>
+          <p:cNvPr id="13" name="直線矢印コネクタ 12">
+            <a:extLst>
+              <a:ext uri="{FF2B5EF4-FFF2-40B4-BE49-F238E27FC236}">
+                <a16:creationId xmlns:a16="http://schemas.microsoft.com/office/drawing/2014/main" id="{DDD684A8-947C-4395-A3F5-7A690A34C74B}"/>
+              </a:ext>
+            </a:extLst>
+          </p:cNvPr>
+          <p:cNvCxnSpPr>
+            <a:cxnSpLocks/>
+            <a:stCxn id="6" idx="2"/>
+            <a:endCxn id="7" idx="0"/>
+          </p:cNvCxnSpPr>
+          <p:nvPr/>
+        </p:nvCxnSpPr>
+        <p:spPr>
+          <a:xfrm>
+            <a:off x="2077598" y="3658118"/>
+            <a:ext cx="0" cy="333011"/>
+          </a:xfrm>
+          <a:prstGeom prst="straightConnector1">
+            <a:avLst/>
+          </a:prstGeom>
+          <a:ln>
+            <a:tailEnd type="triangle"/>
+          </a:ln>
+        </p:spPr>
+        <p:style>
+          <a:lnRef idx="1">
+            <a:schemeClr val="dk1"/>
+          </a:lnRef>
+          <a:fillRef idx="0">
+            <a:schemeClr val="dk1"/>
+          </a:fillRef>
+          <a:effectRef idx="0">
+            <a:schemeClr val="dk1"/>
+          </a:effectRef>
+          <a:fontRef idx="minor">
+            <a:schemeClr val="tx1"/>
+          </a:fontRef>
+        </p:style>
+      </p:cxnSp>
+      <p:cxnSp>
+        <p:nvCxnSpPr>
+          <p:cNvPr id="16" name="直線矢印コネクタ 15">
+            <a:extLst>
+              <a:ext uri="{FF2B5EF4-FFF2-40B4-BE49-F238E27FC236}">
+                <a16:creationId xmlns:a16="http://schemas.microsoft.com/office/drawing/2014/main" id="{318BE762-EB20-4A5E-B02E-214C32592B70}"/>
+              </a:ext>
+            </a:extLst>
+          </p:cNvPr>
+          <p:cNvCxnSpPr>
+            <a:cxnSpLocks/>
+            <a:stCxn id="5" idx="3"/>
+            <a:endCxn id="8" idx="1"/>
+          </p:cNvCxnSpPr>
+          <p:nvPr/>
+        </p:nvCxnSpPr>
+        <p:spPr>
+          <a:xfrm>
+            <a:off x="3316996" y="2023699"/>
+            <a:ext cx="988763" cy="0"/>
+          </a:xfrm>
+          <a:prstGeom prst="straightConnector1">
+            <a:avLst/>
+          </a:prstGeom>
+          <a:ln>
+            <a:tailEnd type="triangle"/>
+          </a:ln>
+        </p:spPr>
+        <p:style>
+          <a:lnRef idx="1">
+            <a:schemeClr val="dk1"/>
+          </a:lnRef>
+          <a:fillRef idx="0">
+            <a:schemeClr val="dk1"/>
+          </a:fillRef>
+          <a:effectRef idx="0">
+            <a:schemeClr val="dk1"/>
+          </a:effectRef>
+          <a:fontRef idx="minor">
+            <a:schemeClr val="tx1"/>
+          </a:fontRef>
+        </p:style>
+      </p:cxnSp>
+      <p:cxnSp>
+        <p:nvCxnSpPr>
+          <p:cNvPr id="19" name="直線矢印コネクタ 18">
+            <a:extLst>
+              <a:ext uri="{FF2B5EF4-FFF2-40B4-BE49-F238E27FC236}">
+                <a16:creationId xmlns:a16="http://schemas.microsoft.com/office/drawing/2014/main" id="{A4AC6D26-5171-408C-9B53-E376F43DBFB2}"/>
+              </a:ext>
+            </a:extLst>
+          </p:cNvPr>
+          <p:cNvCxnSpPr>
+            <a:cxnSpLocks/>
+            <a:stCxn id="8" idx="2"/>
+            <a:endCxn id="9" idx="0"/>
+          </p:cNvCxnSpPr>
+          <p:nvPr/>
+        </p:nvCxnSpPr>
+        <p:spPr>
+          <a:xfrm>
+            <a:off x="5545157" y="2471259"/>
+            <a:ext cx="0" cy="292752"/>
+          </a:xfrm>
+          <a:prstGeom prst="straightConnector1">
+            <a:avLst/>
+          </a:prstGeom>
+          <a:ln>
+            <a:tailEnd type="triangle"/>
+          </a:ln>
+        </p:spPr>
+        <p:style>
+          <a:lnRef idx="1">
+            <a:schemeClr val="dk1"/>
+          </a:lnRef>
+          <a:fillRef idx="0">
+            <a:schemeClr val="dk1"/>
+          </a:fillRef>
+          <a:effectRef idx="0">
+            <a:schemeClr val="dk1"/>
+          </a:effectRef>
+          <a:fontRef idx="minor">
+            <a:schemeClr val="tx1"/>
+          </a:fontRef>
+        </p:style>
+      </p:cxnSp>
+      <p:cxnSp>
+        <p:nvCxnSpPr>
+          <p:cNvPr id="22" name="直線矢印コネクタ 21">
+            <a:extLst>
+              <a:ext uri="{FF2B5EF4-FFF2-40B4-BE49-F238E27FC236}">
+                <a16:creationId xmlns:a16="http://schemas.microsoft.com/office/drawing/2014/main" id="{3D72F584-5CC0-418C-B47A-3FD46AE025AC}"/>
+              </a:ext>
+            </a:extLst>
+          </p:cNvPr>
+          <p:cNvCxnSpPr>
+            <a:cxnSpLocks/>
+            <a:stCxn id="9" idx="2"/>
+            <a:endCxn id="10" idx="0"/>
+          </p:cNvCxnSpPr>
+          <p:nvPr/>
+        </p:nvCxnSpPr>
+        <p:spPr>
+          <a:xfrm>
+            <a:off x="5545157" y="3659131"/>
+            <a:ext cx="0" cy="331998"/>
+          </a:xfrm>
+          <a:prstGeom prst="straightConnector1">
+            <a:avLst/>
+          </a:prstGeom>
+          <a:ln>
+            <a:tailEnd type="triangle"/>
+          </a:ln>
+        </p:spPr>
+        <p:style>
+          <a:lnRef idx="1">
+            <a:schemeClr val="dk1"/>
+          </a:lnRef>
+          <a:fillRef idx="0">
+            <a:schemeClr val="dk1"/>
+          </a:fillRef>
+          <a:effectRef idx="0">
+            <a:schemeClr val="dk1"/>
+          </a:effectRef>
+          <a:fontRef idx="minor">
+            <a:schemeClr val="tx1"/>
+          </a:fontRef>
+        </p:style>
+      </p:cxnSp>
+      <p:sp>
+        <p:nvSpPr>
+          <p:cNvPr id="25" name="正方形/長方形 24">
+            <a:extLst>
+              <a:ext uri="{FF2B5EF4-FFF2-40B4-BE49-F238E27FC236}">
+                <a16:creationId xmlns:a16="http://schemas.microsoft.com/office/drawing/2014/main" id="{9D93B01D-DD53-48D0-B038-5224C8EC87F0}"/>
+              </a:ext>
+            </a:extLst>
+          </p:cNvPr>
+          <p:cNvSpPr/>
+          <p:nvPr/>
+        </p:nvSpPr>
+        <p:spPr>
+          <a:xfrm>
+            <a:off x="2571979" y="5818092"/>
+            <a:ext cx="2478796" cy="895120"/>
+          </a:xfrm>
+          <a:prstGeom prst="rect">
+            <a:avLst/>
+          </a:prstGeom>
+        </p:spPr>
+        <p:style>
+          <a:lnRef idx="2">
+            <a:schemeClr val="dk1"/>
+          </a:lnRef>
+          <a:fillRef idx="1">
+            <a:schemeClr val="lt1"/>
+          </a:fillRef>
+          <a:effectRef idx="0">
+            <a:schemeClr val="dk1"/>
+          </a:effectRef>
+          <a:fontRef idx="minor">
+            <a:schemeClr val="dk1"/>
+          </a:fontRef>
+        </p:style>
+        <p:txBody>
+          <a:bodyPr rtlCol="0" anchor="ctr"/>
+          <a:lstStyle/>
+          <a:p>
+            <a:pPr algn="ctr"/>
+            <a:r>
+              <a:rPr lang="en-US" altLang="ja-JP" dirty="0"/>
+              <a:t>Anaconda</a:t>
+            </a:r>
+            <a:r>
+              <a:rPr lang="ja-JP" altLang="en-US" dirty="0"/>
+              <a:t>上に</a:t>
+            </a:r>
+            <a:endParaRPr lang="en-US" altLang="ja-JP" dirty="0"/>
+          </a:p>
+          <a:p>
+            <a:pPr algn="ctr"/>
+            <a:r>
+              <a:rPr kumimoji="1" lang="ja-JP" altLang="en-US" dirty="0"/>
+              <a:t>仮想環境を構築</a:t>
+            </a:r>
+          </a:p>
+        </p:txBody>
+      </p:sp>
+      <p:cxnSp>
+        <p:nvCxnSpPr>
+          <p:cNvPr id="27" name="コネクタ: カギ線 26">
+            <a:extLst>
+              <a:ext uri="{FF2B5EF4-FFF2-40B4-BE49-F238E27FC236}">
+                <a16:creationId xmlns:a16="http://schemas.microsoft.com/office/drawing/2014/main" id="{EB03676C-48BA-4D55-9844-03C2BCEC00DC}"/>
+              </a:ext>
+            </a:extLst>
+          </p:cNvPr>
+          <p:cNvCxnSpPr>
+            <a:stCxn id="10" idx="2"/>
+            <a:endCxn id="25" idx="0"/>
+          </p:cNvCxnSpPr>
+          <p:nvPr/>
+        </p:nvCxnSpPr>
+        <p:spPr>
+          <a:xfrm rot="5400000">
+            <a:off x="4212346" y="4485280"/>
+            <a:ext cx="931843" cy="1733780"/>
+          </a:xfrm>
+          <a:prstGeom prst="bentConnector3">
+            <a:avLst/>
+          </a:prstGeom>
+          <a:ln>
+            <a:tailEnd type="triangle"/>
+          </a:ln>
+        </p:spPr>
+        <p:style>
+          <a:lnRef idx="1">
+            <a:schemeClr val="dk1"/>
+          </a:lnRef>
+          <a:fillRef idx="0">
+            <a:schemeClr val="dk1"/>
+          </a:fillRef>
+          <a:effectRef idx="0">
+            <a:schemeClr val="dk1"/>
+          </a:effectRef>
+          <a:fontRef idx="minor">
+            <a:schemeClr val="tx1"/>
+          </a:fontRef>
+        </p:style>
+      </p:cxnSp>
+      <p:cxnSp>
+        <p:nvCxnSpPr>
+          <p:cNvPr id="28" name="コネクタ: カギ線 27">
+            <a:extLst>
+              <a:ext uri="{FF2B5EF4-FFF2-40B4-BE49-F238E27FC236}">
+                <a16:creationId xmlns:a16="http://schemas.microsoft.com/office/drawing/2014/main" id="{22FAB340-3C59-4A7C-89C8-A85AA64EF805}"/>
+              </a:ext>
+            </a:extLst>
+          </p:cNvPr>
+          <p:cNvCxnSpPr>
+            <a:cxnSpLocks/>
+            <a:stCxn id="7" idx="2"/>
+            <a:endCxn id="25" idx="0"/>
+          </p:cNvCxnSpPr>
+          <p:nvPr/>
+        </p:nvCxnSpPr>
+        <p:spPr>
+          <a:xfrm rot="16200000" flipH="1">
+            <a:off x="2478566" y="4485280"/>
+            <a:ext cx="931843" cy="1733779"/>
+          </a:xfrm>
+          <a:prstGeom prst="bentConnector3">
+            <a:avLst>
+              <a:gd name="adj1" fmla="val 50000"/>
+            </a:avLst>
+          </a:prstGeom>
+          <a:ln>
+            <a:tailEnd type="triangle"/>
+          </a:ln>
+        </p:spPr>
+        <p:style>
+          <a:lnRef idx="1">
+            <a:schemeClr val="dk1"/>
+          </a:lnRef>
+          <a:fillRef idx="0">
+            <a:schemeClr val="dk1"/>
+          </a:fillRef>
+          <a:effectRef idx="0">
+            <a:schemeClr val="dk1"/>
+          </a:effectRef>
+          <a:fontRef idx="minor">
+            <a:schemeClr val="tx1"/>
+          </a:fontRef>
+        </p:style>
+      </p:cxnSp>
+      <p:sp>
+        <p:nvSpPr>
+          <p:cNvPr id="31" name="テキスト ボックス 30">
+            <a:extLst>
+              <a:ext uri="{FF2B5EF4-FFF2-40B4-BE49-F238E27FC236}">
+                <a16:creationId xmlns:a16="http://schemas.microsoft.com/office/drawing/2014/main" id="{CE1D9E80-15AA-4560-9E80-24D63054016D}"/>
+              </a:ext>
+            </a:extLst>
+          </p:cNvPr>
+          <p:cNvSpPr txBox="1"/>
+          <p:nvPr/>
+        </p:nvSpPr>
+        <p:spPr>
+          <a:xfrm>
+            <a:off x="838200" y="2372322"/>
+            <a:ext cx="1154483" cy="369332"/>
+          </a:xfrm>
+          <a:prstGeom prst="rect">
+            <a:avLst/>
+          </a:prstGeom>
+          <a:noFill/>
+        </p:spPr>
+        <p:txBody>
+          <a:bodyPr wrap="none" rtlCol="0">
+            <a:spAutoFit/>
           </a:bodyPr>
           <a:lstStyle/>
           <a:p>
             <a:r>
-              <a:rPr kumimoji="1" lang="en-US" altLang="ja-JP" sz="2400" dirty="0"/>
-              <a:t>Python</a:t>
-            </a:r>
-          </a:p>
-          <a:p>
-            <a:pPr lvl="1"/>
-            <a:r>
-              <a:rPr lang="en-US" altLang="ja-JP" dirty="0"/>
-              <a:t>3</a:t>
-            </a:r>
-            <a:r>
-              <a:rPr lang="ja-JP" altLang="en-US" dirty="0"/>
-              <a:t>系であることを前提とする（北岸は</a:t>
-            </a:r>
-            <a:r>
-              <a:rPr lang="en-US" altLang="ja-JP" dirty="0"/>
-              <a:t>3.7</a:t>
-            </a:r>
-            <a:r>
-              <a:rPr lang="ja-JP" altLang="en-US" dirty="0"/>
-              <a:t>）</a:t>
-            </a:r>
-            <a:endParaRPr lang="en-US" altLang="ja-JP" dirty="0"/>
-          </a:p>
-          <a:p>
-            <a:pPr lvl="1"/>
-            <a:r>
-              <a:rPr kumimoji="1" lang="en-US" altLang="ja-JP" dirty="0"/>
-              <a:t>Anaconda</a:t>
-            </a:r>
-            <a:r>
-              <a:rPr kumimoji="1" lang="ja-JP" altLang="en-US" dirty="0"/>
-              <a:t>を強く推奨</a:t>
-            </a:r>
-            <a:endParaRPr kumimoji="1" lang="en-US" altLang="ja-JP" dirty="0"/>
-          </a:p>
-          <a:p>
-            <a:pPr lvl="1"/>
-            <a:r>
-              <a:rPr kumimoji="1" lang="en-US" altLang="ja-JP" dirty="0"/>
-              <a:t>Anaconda</a:t>
-            </a:r>
-            <a:r>
-              <a:rPr kumimoji="1" lang="ja-JP" altLang="en-US" dirty="0"/>
-              <a:t>を用いない場合，下記ライブラリを各自導入しておく</a:t>
-            </a:r>
-            <a:r>
-              <a:rPr lang="ja-JP" altLang="en-US" dirty="0"/>
-              <a:t>こと</a:t>
-            </a:r>
-            <a:endParaRPr kumimoji="1" lang="en-US" altLang="ja-JP" dirty="0"/>
-          </a:p>
-          <a:p>
-            <a:pPr lvl="2"/>
-            <a:r>
-              <a:rPr kumimoji="1" lang="en-US" altLang="ja-JP" sz="2400" dirty="0" err="1"/>
-              <a:t>numpy</a:t>
-            </a:r>
-            <a:endParaRPr kumimoji="1" lang="en-US" altLang="ja-JP" sz="2400" dirty="0"/>
-          </a:p>
-          <a:p>
-            <a:pPr lvl="2"/>
-            <a:r>
-              <a:rPr lang="en-US" altLang="ja-JP" sz="2400" dirty="0" err="1"/>
-              <a:t>s</a:t>
-            </a:r>
-            <a:r>
-              <a:rPr kumimoji="1" lang="en-US" altLang="ja-JP" sz="2400" dirty="0" err="1"/>
-              <a:t>cipy</a:t>
-            </a:r>
-            <a:endParaRPr kumimoji="1" lang="en-US" altLang="ja-JP" sz="2400" dirty="0"/>
-          </a:p>
-          <a:p>
-            <a:pPr lvl="2"/>
-            <a:r>
-              <a:rPr lang="en-US" altLang="ja-JP" sz="2400" dirty="0" err="1"/>
-              <a:t>tqdm</a:t>
-            </a:r>
-            <a:endParaRPr lang="en-US" altLang="ja-JP" sz="2400" dirty="0"/>
-          </a:p>
-          <a:p>
-            <a:r>
-              <a:rPr lang="en-US" altLang="ja-JP" sz="2400" dirty="0" err="1">
-                <a:hlinkClick r:id="rId2"/>
-              </a:rPr>
-              <a:t>webrtcvad</a:t>
-            </a:r>
-            <a:endParaRPr lang="en-US" altLang="ja-JP" sz="2400" dirty="0"/>
-          </a:p>
-          <a:p>
-            <a:r>
-              <a:rPr lang="en-US" altLang="ja-JP" sz="2400" dirty="0" err="1">
-                <a:hlinkClick r:id="rId3"/>
-              </a:rPr>
-              <a:t>pysptk</a:t>
-            </a:r>
-            <a:endParaRPr lang="en-US" altLang="ja-JP" sz="2400" dirty="0"/>
-          </a:p>
-          <a:p>
-            <a:r>
-              <a:rPr kumimoji="1" lang="en-US" altLang="ja-JP" sz="2400" dirty="0" err="1">
-                <a:hlinkClick r:id="rId4"/>
-              </a:rPr>
-              <a:t>py</a:t>
-            </a:r>
-            <a:r>
-              <a:rPr lang="en-US" altLang="ja-JP" sz="2400" dirty="0" err="1">
-                <a:hlinkClick r:id="rId4"/>
-              </a:rPr>
-              <a:t>reaper</a:t>
-            </a:r>
-            <a:endParaRPr kumimoji="1" lang="ja-JP" altLang="en-US" sz="2400" dirty="0"/>
+              <a:rPr kumimoji="1" lang="en-US" altLang="ja-JP" u="sng" dirty="0"/>
+              <a:t>Windows</a:t>
+            </a:r>
+            <a:endParaRPr kumimoji="1" lang="ja-JP" altLang="en-US" u="sng" dirty="0"/>
+          </a:p>
+        </p:txBody>
+      </p:sp>
+      <p:sp>
+        <p:nvSpPr>
+          <p:cNvPr id="32" name="テキスト ボックス 31">
+            <a:extLst>
+              <a:ext uri="{FF2B5EF4-FFF2-40B4-BE49-F238E27FC236}">
+                <a16:creationId xmlns:a16="http://schemas.microsoft.com/office/drawing/2014/main" id="{D1EE0467-0609-414A-8BA4-FBDD4D021AA6}"/>
+              </a:ext>
+            </a:extLst>
+          </p:cNvPr>
+          <p:cNvSpPr txBox="1"/>
+          <p:nvPr/>
+        </p:nvSpPr>
+        <p:spPr>
+          <a:xfrm>
+            <a:off x="3316996" y="1631480"/>
+            <a:ext cx="643125" cy="369332"/>
+          </a:xfrm>
+          <a:prstGeom prst="rect">
+            <a:avLst/>
+          </a:prstGeom>
+          <a:noFill/>
+        </p:spPr>
+        <p:txBody>
+          <a:bodyPr wrap="none" rtlCol="0">
+            <a:spAutoFit/>
+          </a:bodyPr>
+          <a:lstStyle/>
+          <a:p>
+            <a:r>
+              <a:rPr kumimoji="1" lang="en-US" altLang="ja-JP" u="sng" dirty="0"/>
+              <a:t>Mac</a:t>
+            </a:r>
+            <a:endParaRPr kumimoji="1" lang="ja-JP" altLang="en-US" u="sng" dirty="0"/>
           </a:p>
         </p:txBody>
       </p:sp>
     </p:spTree>
     <p:extLst>
       <p:ext uri="{BB962C8B-B14F-4D97-AF65-F5344CB8AC3E}">
-        <p14:creationId xmlns:p14="http://schemas.microsoft.com/office/powerpoint/2010/main" val="1113743594"/>
+        <p14:creationId xmlns:p14="http://schemas.microsoft.com/office/powerpoint/2010/main" val="1704805401"/>
       </p:ext>
     </p:extLst>
   </p:cSld>
@@ -3838,8 +4510,12 @@
           <a:lstStyle/>
           <a:p>
             <a:r>
+              <a:rPr kumimoji="1" lang="ja-JP" altLang="en-US" dirty="0"/>
+              <a:t>事前準備</a:t>
+            </a:r>
+            <a:r>
               <a:rPr kumimoji="1" lang="en-US" altLang="ja-JP" dirty="0"/>
-              <a:t>Windows</a:t>
+              <a:t>. 1: Windows</a:t>
             </a:r>
             <a:r>
               <a:rPr kumimoji="1" lang="ja-JP" altLang="en-US" dirty="0"/>
@@ -3870,33 +4546,6 @@
             <a:normAutofit/>
           </a:bodyPr>
           <a:lstStyle/>
-          <a:p>
-            <a:r>
-              <a:rPr kumimoji="1" lang="en-US" altLang="ja-JP" sz="2400" dirty="0" err="1"/>
-              <a:t>webrtcvad</a:t>
-            </a:r>
-            <a:r>
-              <a:rPr kumimoji="1" lang="en-US" altLang="ja-JP" sz="2400" dirty="0"/>
-              <a:t>, </a:t>
-            </a:r>
-            <a:r>
-              <a:rPr kumimoji="1" lang="en-US" altLang="ja-JP" sz="2400" dirty="0" err="1"/>
-              <a:t>pyreaper</a:t>
-            </a:r>
-            <a:r>
-              <a:rPr kumimoji="1" lang="ja-JP" altLang="en-US" sz="2400" dirty="0"/>
-              <a:t>の導入時に「</a:t>
-            </a:r>
-            <a:r>
-              <a:rPr kumimoji="1" lang="en-US" altLang="ja-JP" sz="2400" dirty="0"/>
-              <a:t>MSVC 140</a:t>
-            </a:r>
-            <a:r>
-              <a:rPr kumimoji="1" lang="ja-JP" altLang="en-US" sz="2400" dirty="0"/>
-              <a:t>」が必要</a:t>
-            </a:r>
-            <a:endParaRPr kumimoji="1" lang="en-US" altLang="ja-JP" sz="2400" dirty="0"/>
-          </a:p>
           <a:p>
             <a:r>
               <a:rPr lang="ja-JP" altLang="en-US" sz="2400" dirty="0">
@@ -3914,9 +4563,29 @@
             </a:r>
             <a:r>
               <a:rPr lang="ja-JP" altLang="en-US" sz="2400" dirty="0"/>
-              <a:t>を導入しておくこと</a:t>
-            </a:r>
-            <a:endParaRPr kumimoji="1" lang="ja-JP" altLang="en-US" sz="2400" dirty="0"/>
+              <a:t>を導入する</a:t>
+            </a:r>
+            <a:endParaRPr lang="en-US" altLang="ja-JP" sz="2400" dirty="0"/>
+          </a:p>
+          <a:p>
+            <a:r>
+              <a:rPr kumimoji="1" lang="ja-JP" altLang="en-US" sz="2400" dirty="0">
+                <a:hlinkClick r:id="rId3"/>
+              </a:rPr>
+              <a:t>リンク先</a:t>
+            </a:r>
+            <a:r>
+              <a:rPr kumimoji="1" lang="ja-JP" altLang="en-US" sz="2400" dirty="0"/>
+              <a:t>を参考に</a:t>
+            </a:r>
+            <a:r>
+              <a:rPr kumimoji="1" lang="en-US" altLang="ja-JP" sz="2400" dirty="0"/>
+              <a:t>Anaconda</a:t>
+            </a:r>
+            <a:r>
+              <a:rPr kumimoji="1" lang="ja-JP" altLang="en-US" sz="2400" dirty="0"/>
+              <a:t>をインストール</a:t>
+            </a:r>
           </a:p>
         </p:txBody>
       </p:sp>
@@ -3924,6 +4593,753 @@
     <p:extLst>
       <p:ext uri="{BB962C8B-B14F-4D97-AF65-F5344CB8AC3E}">
         <p14:creationId xmlns:p14="http://schemas.microsoft.com/office/powerpoint/2010/main" val="2417510114"/>
+      </p:ext>
+    </p:extLst>
+  </p:cSld>
+  <p:clrMapOvr>
+    <a:masterClrMapping/>
+  </p:clrMapOvr>
+</p:sld>
+</file>
+
+<file path=ppt/slides/slide3.xml><?xml version="1.0" encoding="utf-8"?>
+<p:sld xmlns:a="http://schemas.openxmlformats.org/drawingml/2006/main" xmlns:r="http://schemas.openxmlformats.org/officeDocument/2006/relationships" xmlns:p="http://schemas.openxmlformats.org/presentationml/2006/main">
+  <p:cSld>
+    <p:spTree>
+      <p:nvGrpSpPr>
+        <p:cNvPr id="1" name=""/>
+        <p:cNvGrpSpPr/>
+        <p:nvPr/>
+      </p:nvGrpSpPr>
+      <p:grpSpPr>
+        <a:xfrm>
+          <a:off x="0" y="0"/>
+          <a:ext cx="0" cy="0"/>
+          <a:chOff x="0" y="0"/>
+          <a:chExt cx="0" cy="0"/>
+        </a:xfrm>
+      </p:grpSpPr>
+      <p:sp>
+        <p:nvSpPr>
+          <p:cNvPr id="2" name="タイトル 1">
+            <a:extLst>
+              <a:ext uri="{FF2B5EF4-FFF2-40B4-BE49-F238E27FC236}">
+                <a16:creationId xmlns:a16="http://schemas.microsoft.com/office/drawing/2014/main" id="{3664E823-5F2B-4565-978C-A7F69EF14BD2}"/>
+              </a:ext>
+            </a:extLst>
+          </p:cNvPr>
+          <p:cNvSpPr>
+            <a:spLocks noGrp="1"/>
+          </p:cNvSpPr>
+          <p:nvPr>
+            <p:ph type="title"/>
+          </p:nvPr>
+        </p:nvSpPr>
+        <p:spPr/>
+        <p:txBody>
+          <a:bodyPr/>
+          <a:lstStyle/>
+          <a:p>
+            <a:r>
+              <a:rPr kumimoji="1" lang="ja-JP" altLang="en-US" dirty="0"/>
+              <a:t>事前準備</a:t>
+            </a:r>
+            <a:r>
+              <a:rPr kumimoji="1" lang="en-US" altLang="ja-JP" dirty="0"/>
+              <a:t>. 1: Mac</a:t>
+            </a:r>
+            <a:r>
+              <a:rPr kumimoji="1" lang="ja-JP" altLang="en-US" dirty="0"/>
+              <a:t>の場合</a:t>
+            </a:r>
+          </a:p>
+        </p:txBody>
+      </p:sp>
+      <p:sp>
+        <p:nvSpPr>
+          <p:cNvPr id="3" name="コンテンツ プレースホルダー 2">
+            <a:extLst>
+              <a:ext uri="{FF2B5EF4-FFF2-40B4-BE49-F238E27FC236}">
+                <a16:creationId xmlns:a16="http://schemas.microsoft.com/office/drawing/2014/main" id="{60C47F0E-16A8-4C59-AD60-3DDE799F0551}"/>
+              </a:ext>
+            </a:extLst>
+          </p:cNvPr>
+          <p:cNvSpPr>
+            <a:spLocks noGrp="1"/>
+          </p:cNvSpPr>
+          <p:nvPr>
+            <p:ph idx="1"/>
+          </p:nvPr>
+        </p:nvSpPr>
+        <p:spPr/>
+        <p:txBody>
+          <a:bodyPr>
+            <a:noAutofit/>
+          </a:bodyPr>
+          <a:lstStyle/>
+          <a:p>
+            <a:r>
+              <a:rPr lang="ja-JP" altLang="en-US" sz="2000" dirty="0"/>
+              <a:t>リンク先を参考に</a:t>
+            </a:r>
+            <a:r>
+              <a:rPr lang="en-US" altLang="ja-JP" sz="2000" dirty="0"/>
+              <a:t>homebrew</a:t>
+            </a:r>
+            <a:r>
+              <a:rPr lang="ja-JP" altLang="en-US" sz="2000" dirty="0"/>
+              <a:t>をインストール</a:t>
+            </a:r>
+            <a:endParaRPr lang="en-US" altLang="ja-JP" sz="2000" dirty="0"/>
+          </a:p>
+          <a:p>
+            <a:r>
+              <a:rPr lang="ja-JP" altLang="en-US" sz="2000" dirty="0"/>
+              <a:t>以下のコマンドで</a:t>
+            </a:r>
+            <a:r>
+              <a:rPr lang="en-US" altLang="ja-JP" sz="2000" dirty="0"/>
+              <a:t>homebrew</a:t>
+            </a:r>
+            <a:r>
+              <a:rPr lang="ja-JP" altLang="en-US" sz="2000" dirty="0"/>
+              <a:t>下に</a:t>
+            </a:r>
+            <a:r>
+              <a:rPr lang="en-US" altLang="ja-JP" sz="2000" dirty="0" err="1"/>
+              <a:t>pyenv</a:t>
+            </a:r>
+            <a:r>
+              <a:rPr lang="ja-JP" altLang="en-US" sz="2000" dirty="0"/>
+              <a:t>をインストール</a:t>
+            </a:r>
+            <a:endParaRPr lang="en-US" altLang="ja-JP" sz="2000" dirty="0"/>
+          </a:p>
+          <a:p>
+            <a:pPr lvl="1"/>
+            <a:r>
+              <a:rPr kumimoji="1" lang="en-US" altLang="ja-JP" sz="2000" dirty="0">
+                <a:solidFill>
+                  <a:srgbClr val="FF0000"/>
+                </a:solidFill>
+                <a:highlight>
+                  <a:srgbClr val="C0C0C0"/>
+                </a:highlight>
+              </a:rPr>
+              <a:t>brew </a:t>
+            </a:r>
+            <a:r>
+              <a:rPr lang="en-US" altLang="ja-JP" sz="2000" dirty="0">
+                <a:solidFill>
+                  <a:srgbClr val="FF0000"/>
+                </a:solidFill>
+                <a:highlight>
+                  <a:srgbClr val="C0C0C0"/>
+                </a:highlight>
+              </a:rPr>
+              <a:t>update; brew upgrade</a:t>
+            </a:r>
+          </a:p>
+          <a:p>
+            <a:pPr lvl="1"/>
+            <a:r>
+              <a:rPr lang="en-US" altLang="ja-JP" sz="2000" dirty="0">
+                <a:solidFill>
+                  <a:srgbClr val="FF0000"/>
+                </a:solidFill>
+                <a:highlight>
+                  <a:srgbClr val="C0C0C0"/>
+                </a:highlight>
+              </a:rPr>
+              <a:t>brew install </a:t>
+            </a:r>
+            <a:r>
+              <a:rPr lang="en-US" altLang="ja-JP" sz="2000" dirty="0" err="1">
+                <a:solidFill>
+                  <a:srgbClr val="FF0000"/>
+                </a:solidFill>
+                <a:highlight>
+                  <a:srgbClr val="C0C0C0"/>
+                </a:highlight>
+              </a:rPr>
+              <a:t>pyenv</a:t>
+            </a:r>
+            <a:endParaRPr lang="en-US" altLang="ja-JP" sz="2000" dirty="0">
+              <a:solidFill>
+                <a:srgbClr val="FF0000"/>
+              </a:solidFill>
+              <a:highlight>
+                <a:srgbClr val="C0C0C0"/>
+              </a:highlight>
+            </a:endParaRPr>
+          </a:p>
+          <a:p>
+            <a:r>
+              <a:rPr lang="ja-JP" altLang="en-US" sz="2000" dirty="0"/>
+              <a:t>以下の内容を</a:t>
+            </a:r>
+            <a:r>
+              <a:rPr lang="en-US" altLang="ja-JP" sz="2000" dirty="0"/>
+              <a:t>.</a:t>
+            </a:r>
+            <a:r>
+              <a:rPr lang="en-US" altLang="ja-JP" sz="2000" dirty="0" err="1"/>
+              <a:t>bash_profile</a:t>
+            </a:r>
+            <a:r>
+              <a:rPr lang="ja-JP" altLang="en-US" sz="2000" dirty="0"/>
+              <a:t>等に記載</a:t>
+            </a:r>
+            <a:endParaRPr lang="en-US" altLang="ja-JP" sz="2000" dirty="0"/>
+          </a:p>
+          <a:p>
+            <a:pPr lvl="1"/>
+            <a:r>
+              <a:rPr lang="en-US" altLang="ja-JP" sz="2000" dirty="0">
+                <a:solidFill>
+                  <a:srgbClr val="FF0000"/>
+                </a:solidFill>
+                <a:highlight>
+                  <a:srgbClr val="C0C0C0"/>
+                </a:highlight>
+              </a:rPr>
+              <a:t>export PATH=“/</a:t>
+            </a:r>
+            <a:r>
+              <a:rPr lang="en-US" altLang="ja-JP" sz="2000" dirty="0" err="1">
+                <a:solidFill>
+                  <a:srgbClr val="FF0000"/>
+                </a:solidFill>
+                <a:highlight>
+                  <a:srgbClr val="C0C0C0"/>
+                </a:highlight>
+              </a:rPr>
+              <a:t>usr</a:t>
+            </a:r>
+            <a:r>
+              <a:rPr lang="en-US" altLang="ja-JP" sz="2000" dirty="0">
+                <a:solidFill>
+                  <a:srgbClr val="FF0000"/>
+                </a:solidFill>
+                <a:highlight>
+                  <a:srgbClr val="C0C0C0"/>
+                </a:highlight>
+              </a:rPr>
+              <a:t>/local/bin/</a:t>
+            </a:r>
+            <a:r>
+              <a:rPr lang="en-US" altLang="ja-JP" sz="2000" dirty="0" err="1">
+                <a:solidFill>
+                  <a:srgbClr val="FF0000"/>
+                </a:solidFill>
+                <a:highlight>
+                  <a:srgbClr val="C0C0C0"/>
+                </a:highlight>
+              </a:rPr>
+              <a:t>pyenv</a:t>
+            </a:r>
+            <a:r>
+              <a:rPr lang="en-US" altLang="ja-JP" sz="2000" dirty="0">
+                <a:solidFill>
+                  <a:srgbClr val="FF0000"/>
+                </a:solidFill>
+                <a:highlight>
+                  <a:srgbClr val="C0C0C0"/>
+                </a:highlight>
+              </a:rPr>
+              <a:t>/bin:${PATH}”</a:t>
+            </a:r>
+          </a:p>
+          <a:p>
+            <a:pPr lvl="1"/>
+            <a:r>
+              <a:rPr lang="en-US" altLang="ja-JP" sz="2000" dirty="0">
+                <a:solidFill>
+                  <a:srgbClr val="FF0000"/>
+                </a:solidFill>
+                <a:highlight>
+                  <a:srgbClr val="C0C0C0"/>
+                </a:highlight>
+              </a:rPr>
+              <a:t>eval “$(</a:t>
+            </a:r>
+            <a:r>
+              <a:rPr lang="en-US" altLang="ja-JP" sz="2000" dirty="0" err="1">
+                <a:solidFill>
+                  <a:srgbClr val="FF0000"/>
+                </a:solidFill>
+                <a:highlight>
+                  <a:srgbClr val="C0C0C0"/>
+                </a:highlight>
+              </a:rPr>
+              <a:t>pyenv</a:t>
+            </a:r>
+            <a:r>
+              <a:rPr lang="en-US" altLang="ja-JP" sz="2000" dirty="0">
+                <a:solidFill>
+                  <a:srgbClr val="FF0000"/>
+                </a:solidFill>
+                <a:highlight>
+                  <a:srgbClr val="C0C0C0"/>
+                </a:highlight>
+              </a:rPr>
+              <a:t> </a:t>
+            </a:r>
+            <a:r>
+              <a:rPr lang="en-US" altLang="ja-JP" sz="2000" dirty="0" err="1">
+                <a:solidFill>
+                  <a:srgbClr val="FF0000"/>
+                </a:solidFill>
+                <a:highlight>
+                  <a:srgbClr val="C0C0C0"/>
+                </a:highlight>
+              </a:rPr>
+              <a:t>init</a:t>
+            </a:r>
+            <a:r>
+              <a:rPr lang="en-US" altLang="ja-JP" sz="2000" dirty="0">
+                <a:solidFill>
+                  <a:srgbClr val="FF0000"/>
+                </a:solidFill>
+                <a:highlight>
+                  <a:srgbClr val="C0C0C0"/>
+                </a:highlight>
+              </a:rPr>
+              <a:t> -)”</a:t>
+            </a:r>
+          </a:p>
+          <a:p>
+            <a:r>
+              <a:rPr lang="ja-JP" altLang="en-US" sz="2000" dirty="0"/>
+              <a:t>ターミナルを再起動 </a:t>
+            </a:r>
+            <a:r>
+              <a:rPr lang="en-US" altLang="ja-JP" sz="2000" dirty="0"/>
+              <a:t>or </a:t>
+            </a:r>
+            <a:r>
+              <a:rPr lang="en-US" altLang="ja-JP" sz="2000" dirty="0">
+                <a:solidFill>
+                  <a:srgbClr val="FF0000"/>
+                </a:solidFill>
+                <a:highlight>
+                  <a:srgbClr val="C0C0C0"/>
+                </a:highlight>
+              </a:rPr>
+              <a:t>source ~/.</a:t>
+            </a:r>
+            <a:r>
+              <a:rPr lang="en-US" altLang="ja-JP" sz="2000" dirty="0" err="1">
+                <a:solidFill>
+                  <a:srgbClr val="FF0000"/>
+                </a:solidFill>
+                <a:highlight>
+                  <a:srgbClr val="C0C0C0"/>
+                </a:highlight>
+              </a:rPr>
+              <a:t>bash_profile</a:t>
+            </a:r>
+            <a:r>
+              <a:rPr lang="ja-JP" altLang="en-US" sz="2000" dirty="0"/>
+              <a:t>を実行</a:t>
+            </a:r>
+            <a:endParaRPr lang="en-US" altLang="ja-JP" sz="2000" dirty="0"/>
+          </a:p>
+          <a:p>
+            <a:r>
+              <a:rPr lang="ja-JP" altLang="en-US" sz="2000" dirty="0"/>
+              <a:t>下記コマンドを順に実行</a:t>
+            </a:r>
+            <a:endParaRPr lang="en-US" altLang="ja-JP" sz="2000" dirty="0"/>
+          </a:p>
+          <a:p>
+            <a:pPr lvl="1"/>
+            <a:r>
+              <a:rPr lang="en-US" altLang="ja-JP" sz="2000" dirty="0" err="1">
+                <a:solidFill>
+                  <a:srgbClr val="FF0000"/>
+                </a:solidFill>
+                <a:highlight>
+                  <a:srgbClr val="C0C0C0"/>
+                </a:highlight>
+              </a:rPr>
+              <a:t>pyenv</a:t>
+            </a:r>
+            <a:r>
+              <a:rPr lang="en-US" altLang="ja-JP" sz="2000" dirty="0">
+                <a:solidFill>
+                  <a:srgbClr val="FF0000"/>
+                </a:solidFill>
+                <a:highlight>
+                  <a:srgbClr val="C0C0C0"/>
+                </a:highlight>
+              </a:rPr>
+              <a:t> install anaconda3-2020.2</a:t>
+            </a:r>
+          </a:p>
+          <a:p>
+            <a:pPr lvl="1"/>
+            <a:r>
+              <a:rPr lang="en-US" altLang="ja-JP" sz="2000" dirty="0" err="1">
+                <a:solidFill>
+                  <a:srgbClr val="FF0000"/>
+                </a:solidFill>
+                <a:highlight>
+                  <a:srgbClr val="C0C0C0"/>
+                </a:highlight>
+              </a:rPr>
+              <a:t>pyenv</a:t>
+            </a:r>
+            <a:r>
+              <a:rPr lang="en-US" altLang="ja-JP" sz="2000" dirty="0">
+                <a:solidFill>
+                  <a:srgbClr val="FF0000"/>
+                </a:solidFill>
+                <a:highlight>
+                  <a:srgbClr val="C0C0C0"/>
+                </a:highlight>
+              </a:rPr>
+              <a:t> global anaconda3-2020.2</a:t>
+            </a:r>
+          </a:p>
+          <a:p>
+            <a:r>
+              <a:rPr lang="en-US" altLang="ja-JP" sz="2000" dirty="0"/>
+              <a:t>python</a:t>
+            </a:r>
+            <a:r>
+              <a:rPr lang="ja-JP" altLang="en-US" sz="2000" dirty="0"/>
+              <a:t>を実行して，冒頭に「</a:t>
+            </a:r>
+            <a:r>
+              <a:rPr lang="en-US" altLang="ja-JP" sz="2000" dirty="0"/>
+              <a:t>Anaconda Inc.</a:t>
+            </a:r>
+            <a:r>
+              <a:rPr lang="ja-JP" altLang="en-US" sz="2000" dirty="0"/>
+              <a:t>」などと表示されることを確認</a:t>
+            </a:r>
+            <a:endParaRPr lang="en-US" altLang="ja-JP" sz="2000" dirty="0"/>
+          </a:p>
+        </p:txBody>
+      </p:sp>
+    </p:spTree>
+    <p:extLst>
+      <p:ext uri="{BB962C8B-B14F-4D97-AF65-F5344CB8AC3E}">
+        <p14:creationId xmlns:p14="http://schemas.microsoft.com/office/powerpoint/2010/main" val="1088515742"/>
+      </p:ext>
+    </p:extLst>
+  </p:cSld>
+  <p:clrMapOvr>
+    <a:masterClrMapping/>
+  </p:clrMapOvr>
+</p:sld>
+</file>
+
+<file path=ppt/slides/slide4.xml><?xml version="1.0" encoding="utf-8"?>
+<p:sld xmlns:a="http://schemas.openxmlformats.org/drawingml/2006/main" xmlns:r="http://schemas.openxmlformats.org/officeDocument/2006/relationships" xmlns:p="http://schemas.openxmlformats.org/presentationml/2006/main">
+  <p:cSld>
+    <p:spTree>
+      <p:nvGrpSpPr>
+        <p:cNvPr id="1" name=""/>
+        <p:cNvGrpSpPr/>
+        <p:nvPr/>
+      </p:nvGrpSpPr>
+      <p:grpSpPr>
+        <a:xfrm>
+          <a:off x="0" y="0"/>
+          <a:ext cx="0" cy="0"/>
+          <a:chOff x="0" y="0"/>
+          <a:chExt cx="0" cy="0"/>
+        </a:xfrm>
+      </p:grpSpPr>
+      <p:sp>
+        <p:nvSpPr>
+          <p:cNvPr id="2" name="タイトル 1">
+            <a:extLst>
+              <a:ext uri="{FF2B5EF4-FFF2-40B4-BE49-F238E27FC236}">
+                <a16:creationId xmlns:a16="http://schemas.microsoft.com/office/drawing/2014/main" id="{C515A725-AFA8-4008-BBCD-6FC2A662771B}"/>
+              </a:ext>
+            </a:extLst>
+          </p:cNvPr>
+          <p:cNvSpPr>
+            <a:spLocks noGrp="1"/>
+          </p:cNvSpPr>
+          <p:nvPr>
+            <p:ph type="title"/>
+          </p:nvPr>
+        </p:nvSpPr>
+        <p:spPr/>
+        <p:txBody>
+          <a:bodyPr/>
+          <a:lstStyle/>
+          <a:p>
+            <a:r>
+              <a:rPr kumimoji="1" lang="ja-JP" altLang="en-US" dirty="0"/>
+              <a:t>事前準備 </a:t>
+            </a:r>
+            <a:r>
+              <a:rPr kumimoji="1" lang="en-US" altLang="ja-JP" dirty="0"/>
+              <a:t>.2: </a:t>
+            </a:r>
+            <a:r>
+              <a:rPr kumimoji="1" lang="ja-JP" altLang="en-US" dirty="0"/>
+              <a:t>共通</a:t>
+            </a:r>
+          </a:p>
+        </p:txBody>
+      </p:sp>
+      <p:sp>
+        <p:nvSpPr>
+          <p:cNvPr id="4" name="コンテンツ プレースホルダー 2">
+            <a:extLst>
+              <a:ext uri="{FF2B5EF4-FFF2-40B4-BE49-F238E27FC236}">
+                <a16:creationId xmlns:a16="http://schemas.microsoft.com/office/drawing/2014/main" id="{EF9E9786-C524-48D3-B281-9D137AD6B7E4}"/>
+              </a:ext>
+            </a:extLst>
+          </p:cNvPr>
+          <p:cNvSpPr>
+            <a:spLocks noGrp="1"/>
+          </p:cNvSpPr>
+          <p:nvPr>
+            <p:ph idx="1"/>
+          </p:nvPr>
+        </p:nvSpPr>
+        <p:spPr>
+          <a:xfrm>
+            <a:off x="838200" y="1825625"/>
+            <a:ext cx="10515600" cy="4351338"/>
+          </a:xfrm>
+        </p:spPr>
+        <p:txBody>
+          <a:bodyPr>
+            <a:noAutofit/>
+          </a:bodyPr>
+          <a:lstStyle/>
+          <a:p>
+            <a:r>
+              <a:rPr lang="en-US" altLang="ja-JP" sz="2000" dirty="0"/>
+              <a:t>Mac</a:t>
+            </a:r>
+            <a:r>
+              <a:rPr lang="ja-JP" altLang="en-US" sz="2000" dirty="0"/>
+              <a:t>の場合，以下コマンドを実行しておく</a:t>
+            </a:r>
+            <a:endParaRPr lang="en-US" altLang="ja-JP" sz="2000" dirty="0"/>
+          </a:p>
+          <a:p>
+            <a:pPr lvl="1"/>
+            <a:r>
+              <a:rPr lang="en-US" altLang="ja-JP" sz="2000" dirty="0" err="1">
+                <a:solidFill>
+                  <a:srgbClr val="FF0000"/>
+                </a:solidFill>
+                <a:highlight>
+                  <a:srgbClr val="C0C0C0"/>
+                </a:highlight>
+              </a:rPr>
+              <a:t>pyenv</a:t>
+            </a:r>
+            <a:r>
+              <a:rPr lang="en-US" altLang="ja-JP" sz="2000" dirty="0">
+                <a:solidFill>
+                  <a:srgbClr val="FF0000"/>
+                </a:solidFill>
+                <a:highlight>
+                  <a:srgbClr val="C0C0C0"/>
+                </a:highlight>
+              </a:rPr>
+              <a:t> global anaconda3-2020.2</a:t>
+            </a:r>
+          </a:p>
+          <a:p>
+            <a:r>
+              <a:rPr lang="ja-JP" altLang="en-US" sz="2000" dirty="0"/>
+              <a:t>以下コマンドを順に実行する</a:t>
+            </a:r>
+            <a:endParaRPr lang="en-US" altLang="ja-JP" sz="2000" dirty="0"/>
+          </a:p>
+          <a:p>
+            <a:pPr lvl="1"/>
+            <a:r>
+              <a:rPr lang="en-US" altLang="ja-JP" sz="2000" dirty="0" err="1">
+                <a:solidFill>
+                  <a:srgbClr val="FF0000"/>
+                </a:solidFill>
+                <a:highlight>
+                  <a:srgbClr val="C0C0C0"/>
+                </a:highlight>
+              </a:rPr>
+              <a:t>conda</a:t>
+            </a:r>
+            <a:r>
+              <a:rPr lang="en-US" altLang="ja-JP" sz="2000" dirty="0">
+                <a:solidFill>
+                  <a:srgbClr val="FF0000"/>
+                </a:solidFill>
+                <a:highlight>
+                  <a:srgbClr val="C0C0C0"/>
+                </a:highlight>
+              </a:rPr>
+              <a:t> create –n </a:t>
+            </a:r>
+            <a:r>
+              <a:rPr lang="en-US" altLang="ja-JP" sz="2000" dirty="0" err="1">
+                <a:solidFill>
+                  <a:srgbClr val="FF0000"/>
+                </a:solidFill>
+                <a:highlight>
+                  <a:srgbClr val="C0C0C0"/>
+                </a:highlight>
+              </a:rPr>
+              <a:t>voice_analysis</a:t>
+            </a:r>
+            <a:r>
+              <a:rPr lang="en-US" altLang="ja-JP" sz="2000" dirty="0">
+                <a:solidFill>
+                  <a:srgbClr val="FF0000"/>
+                </a:solidFill>
+                <a:highlight>
+                  <a:srgbClr val="C0C0C0"/>
+                </a:highlight>
+              </a:rPr>
+              <a:t> python=3.7 anaconda</a:t>
+            </a:r>
+          </a:p>
+          <a:p>
+            <a:pPr lvl="1"/>
+            <a:r>
+              <a:rPr lang="en-US" altLang="ja-JP" sz="2000" dirty="0" err="1">
+                <a:solidFill>
+                  <a:srgbClr val="FF0000"/>
+                </a:solidFill>
+                <a:highlight>
+                  <a:srgbClr val="C0C0C0"/>
+                </a:highlight>
+              </a:rPr>
+              <a:t>conda</a:t>
+            </a:r>
+            <a:r>
+              <a:rPr lang="en-US" altLang="ja-JP" sz="2000" dirty="0">
+                <a:solidFill>
+                  <a:srgbClr val="FF0000"/>
+                </a:solidFill>
+                <a:highlight>
+                  <a:srgbClr val="C0C0C0"/>
+                </a:highlight>
+              </a:rPr>
+              <a:t> activate </a:t>
+            </a:r>
+            <a:r>
+              <a:rPr lang="en-US" altLang="ja-JP" sz="2000" dirty="0" err="1">
+                <a:solidFill>
+                  <a:srgbClr val="FF0000"/>
+                </a:solidFill>
+                <a:highlight>
+                  <a:srgbClr val="C0C0C0"/>
+                </a:highlight>
+              </a:rPr>
+              <a:t>voice_analysis</a:t>
+            </a:r>
+            <a:endParaRPr lang="en-US" altLang="ja-JP" sz="2000" dirty="0">
+              <a:solidFill>
+                <a:srgbClr val="FF0000"/>
+              </a:solidFill>
+              <a:highlight>
+                <a:srgbClr val="C0C0C0"/>
+              </a:highlight>
+            </a:endParaRPr>
+          </a:p>
+          <a:p>
+            <a:pPr lvl="1"/>
+            <a:r>
+              <a:rPr lang="en-US" altLang="ja-JP" sz="2000" dirty="0">
+                <a:solidFill>
+                  <a:srgbClr val="FF0000"/>
+                </a:solidFill>
+                <a:highlight>
+                  <a:srgbClr val="C0C0C0"/>
+                </a:highlight>
+              </a:rPr>
+              <a:t>pip install </a:t>
+            </a:r>
+            <a:r>
+              <a:rPr lang="en-US" altLang="ja-JP" sz="2000" dirty="0" err="1">
+                <a:solidFill>
+                  <a:srgbClr val="FF0000"/>
+                </a:solidFill>
+                <a:highlight>
+                  <a:srgbClr val="C0C0C0"/>
+                </a:highlight>
+              </a:rPr>
+              <a:t>webrtcvad</a:t>
+            </a:r>
+            <a:r>
+              <a:rPr lang="en-US" altLang="ja-JP" sz="2000" dirty="0">
+                <a:solidFill>
+                  <a:srgbClr val="FF0000"/>
+                </a:solidFill>
+                <a:highlight>
+                  <a:srgbClr val="C0C0C0"/>
+                </a:highlight>
+              </a:rPr>
+              <a:t> </a:t>
+            </a:r>
+            <a:r>
+              <a:rPr lang="en-US" altLang="ja-JP" sz="2000" dirty="0" err="1">
+                <a:solidFill>
+                  <a:srgbClr val="FF0000"/>
+                </a:solidFill>
+                <a:highlight>
+                  <a:srgbClr val="C0C0C0"/>
+                </a:highlight>
+              </a:rPr>
+              <a:t>pysptk</a:t>
+            </a:r>
+            <a:r>
+              <a:rPr lang="en-US" altLang="ja-JP" sz="2000" dirty="0">
+                <a:solidFill>
+                  <a:srgbClr val="FF0000"/>
+                </a:solidFill>
+                <a:highlight>
+                  <a:srgbClr val="C0C0C0"/>
+                </a:highlight>
+              </a:rPr>
+              <a:t> </a:t>
+            </a:r>
+            <a:r>
+              <a:rPr lang="en-US" altLang="ja-JP" sz="2000" dirty="0" err="1">
+                <a:solidFill>
+                  <a:srgbClr val="FF0000"/>
+                </a:solidFill>
+                <a:highlight>
+                  <a:srgbClr val="C0C0C0"/>
+                </a:highlight>
+              </a:rPr>
+              <a:t>pyreaper</a:t>
+            </a:r>
+            <a:endParaRPr lang="en-US" altLang="ja-JP" sz="2000" dirty="0">
+              <a:solidFill>
+                <a:srgbClr val="FF0000"/>
+              </a:solidFill>
+              <a:highlight>
+                <a:srgbClr val="C0C0C0"/>
+              </a:highlight>
+            </a:endParaRPr>
+          </a:p>
+          <a:p>
+            <a:r>
+              <a:rPr lang="ja-JP" altLang="en-US" sz="2000" dirty="0"/>
+              <a:t>完了</a:t>
+            </a:r>
+            <a:endParaRPr lang="en-US" altLang="ja-JP" sz="2000" dirty="0"/>
+          </a:p>
+        </p:txBody>
+      </p:sp>
+    </p:spTree>
+    <p:extLst>
+      <p:ext uri="{BB962C8B-B14F-4D97-AF65-F5344CB8AC3E}">
+        <p14:creationId xmlns:p14="http://schemas.microsoft.com/office/powerpoint/2010/main" val="495092435"/>
       </p:ext>
     </p:extLst>
   </p:cSld>

--- a/事前準備.pptx
+++ b/事前準備.pptx
@@ -3659,7 +3659,7 @@
         </p:nvSpPr>
         <p:spPr>
           <a:xfrm>
-            <a:off x="838200" y="1576139"/>
+            <a:off x="1518033" y="1576139"/>
             <a:ext cx="2478796" cy="895120"/>
           </a:xfrm>
           <a:prstGeom prst="flowChartDecision">
@@ -3715,7 +3715,7 @@
         </p:nvSpPr>
         <p:spPr>
           <a:xfrm>
-            <a:off x="838200" y="2762998"/>
+            <a:off x="1518033" y="2762998"/>
             <a:ext cx="2478796" cy="895120"/>
           </a:xfrm>
           <a:prstGeom prst="rect">
@@ -3782,7 +3782,7 @@
         </p:nvSpPr>
         <p:spPr>
           <a:xfrm>
-            <a:off x="838200" y="3991129"/>
+            <a:off x="1518033" y="3991129"/>
             <a:ext cx="2478796" cy="895120"/>
           </a:xfrm>
           <a:prstGeom prst="rect">
@@ -3841,7 +3841,7 @@
         </p:nvSpPr>
         <p:spPr>
           <a:xfrm>
-            <a:off x="4305759" y="1576139"/>
+            <a:off x="4985592" y="1576139"/>
             <a:ext cx="2478796" cy="895120"/>
           </a:xfrm>
           <a:prstGeom prst="rect">
@@ -3868,8 +3868,12 @@
           <a:p>
             <a:pPr algn="ctr"/>
             <a:r>
+              <a:rPr lang="en-US" altLang="ja-JP" dirty="0"/>
+              <a:t>h</a:t>
+            </a:r>
+            <a:r>
               <a:rPr kumimoji="1" lang="en-US" altLang="ja-JP" dirty="0"/>
-              <a:t>Homebrew</a:t>
+              <a:t>omebrew</a:t>
             </a:r>
             <a:r>
               <a:rPr kumimoji="1" lang="ja-JP" altLang="en-US" dirty="0"/>
@@ -3901,7 +3905,7 @@
         </p:nvSpPr>
         <p:spPr>
           <a:xfrm>
-            <a:off x="4305759" y="2764011"/>
+            <a:off x="4985592" y="2764011"/>
             <a:ext cx="2478796" cy="895120"/>
           </a:xfrm>
           <a:prstGeom prst="rect">
@@ -3928,8 +3932,12 @@
           <a:p>
             <a:pPr algn="ctr"/>
             <a:r>
+              <a:rPr lang="en-US" altLang="ja-JP" dirty="0"/>
+              <a:t>h</a:t>
+            </a:r>
+            <a:r>
               <a:rPr kumimoji="1" lang="en-US" altLang="ja-JP" dirty="0"/>
-              <a:t>Homebrew</a:t>
+              <a:t>omebrew</a:t>
             </a:r>
             <a:r>
               <a:rPr kumimoji="1" lang="ja-JP" altLang="en-US" dirty="0"/>
@@ -3969,7 +3977,7 @@
         </p:nvSpPr>
         <p:spPr>
           <a:xfrm>
-            <a:off x="4305759" y="3991129"/>
+            <a:off x="4985592" y="3991129"/>
             <a:ext cx="2478796" cy="895120"/>
           </a:xfrm>
           <a:prstGeom prst="rect">
@@ -4043,7 +4051,7 @@
         </p:nvCxnSpPr>
         <p:spPr>
           <a:xfrm>
-            <a:off x="2077598" y="2471259"/>
+            <a:off x="2757431" y="2471259"/>
             <a:ext cx="0" cy="291739"/>
           </a:xfrm>
           <a:prstGeom prst="straightConnector1">
@@ -4086,7 +4094,7 @@
         </p:nvCxnSpPr>
         <p:spPr>
           <a:xfrm>
-            <a:off x="2077598" y="3658118"/>
+            <a:off x="2757431" y="3658118"/>
             <a:ext cx="0" cy="333011"/>
           </a:xfrm>
           <a:prstGeom prst="straightConnector1">
@@ -4129,7 +4137,7 @@
         </p:nvCxnSpPr>
         <p:spPr>
           <a:xfrm>
-            <a:off x="3316996" y="2023699"/>
+            <a:off x="3996829" y="2023699"/>
             <a:ext cx="988763" cy="0"/>
           </a:xfrm>
           <a:prstGeom prst="straightConnector1">
@@ -4172,7 +4180,7 @@
         </p:nvCxnSpPr>
         <p:spPr>
           <a:xfrm>
-            <a:off x="5545157" y="2471259"/>
+            <a:off x="6224990" y="2471259"/>
             <a:ext cx="0" cy="292752"/>
           </a:xfrm>
           <a:prstGeom prst="straightConnector1">
@@ -4215,7 +4223,7 @@
         </p:nvCxnSpPr>
         <p:spPr>
           <a:xfrm>
-            <a:off x="5545157" y="3659131"/>
+            <a:off x="6224990" y="3659131"/>
             <a:ext cx="0" cy="331998"/>
           </a:xfrm>
           <a:prstGeom prst="straightConnector1">
@@ -4254,7 +4262,7 @@
         </p:nvSpPr>
         <p:spPr>
           <a:xfrm>
-            <a:off x="2571979" y="5818092"/>
+            <a:off x="3251812" y="5818092"/>
             <a:ext cx="2478796" cy="895120"/>
           </a:xfrm>
           <a:prstGeom prst="rect">
@@ -4316,7 +4324,7 @@
         </p:nvCxnSpPr>
         <p:spPr>
           <a:xfrm rot="5400000">
-            <a:off x="4212346" y="4485280"/>
+            <a:off x="4892179" y="4485280"/>
             <a:ext cx="931843" cy="1733780"/>
           </a:xfrm>
           <a:prstGeom prst="bentConnector3">
@@ -4359,7 +4367,7 @@
         </p:nvCxnSpPr>
         <p:spPr>
           <a:xfrm rot="16200000" flipH="1">
-            <a:off x="2478566" y="4485280"/>
+            <a:off x="3158399" y="4485280"/>
             <a:ext cx="931843" cy="1733779"/>
           </a:xfrm>
           <a:prstGeom prst="bentConnector3">
@@ -4400,7 +4408,7 @@
         </p:nvSpPr>
         <p:spPr>
           <a:xfrm>
-            <a:off x="838200" y="2372322"/>
+            <a:off x="1518033" y="2372322"/>
             <a:ext cx="1154483" cy="369332"/>
           </a:xfrm>
           <a:prstGeom prst="rect">
@@ -4436,7 +4444,7 @@
         </p:nvSpPr>
         <p:spPr>
           <a:xfrm>
-            <a:off x="3316996" y="1631480"/>
+            <a:off x="3996829" y="1631480"/>
             <a:ext cx="643125" cy="369332"/>
           </a:xfrm>
           <a:prstGeom prst="rect">
@@ -4455,6 +4463,255 @@
               <a:t>Mac</a:t>
             </a:r>
             <a:endParaRPr kumimoji="1" lang="ja-JP" altLang="en-US" u="sng" dirty="0"/>
+          </a:p>
+        </p:txBody>
+      </p:sp>
+      <p:sp>
+        <p:nvSpPr>
+          <p:cNvPr id="11" name="左中かっこ 10">
+            <a:extLst>
+              <a:ext uri="{FF2B5EF4-FFF2-40B4-BE49-F238E27FC236}">
+                <a16:creationId xmlns:a16="http://schemas.microsoft.com/office/drawing/2014/main" id="{65A381DD-C6A5-41C2-98A7-DAA013B00FC0}"/>
+              </a:ext>
+            </a:extLst>
+          </p:cNvPr>
+          <p:cNvSpPr/>
+          <p:nvPr/>
+        </p:nvSpPr>
+        <p:spPr>
+          <a:xfrm>
+            <a:off x="1043390" y="2762998"/>
+            <a:ext cx="374573" cy="2123249"/>
+          </a:xfrm>
+          <a:prstGeom prst="leftBrace">
+            <a:avLst/>
+          </a:prstGeom>
+        </p:spPr>
+        <p:style>
+          <a:lnRef idx="1">
+            <a:schemeClr val="dk1"/>
+          </a:lnRef>
+          <a:fillRef idx="0">
+            <a:schemeClr val="dk1"/>
+          </a:fillRef>
+          <a:effectRef idx="0">
+            <a:schemeClr val="dk1"/>
+          </a:effectRef>
+          <a:fontRef idx="minor">
+            <a:schemeClr val="tx1"/>
+          </a:fontRef>
+        </p:style>
+        <p:txBody>
+          <a:bodyPr rtlCol="0" anchor="ctr"/>
+          <a:lstStyle/>
+          <a:p>
+            <a:pPr algn="ctr"/>
+            <a:endParaRPr kumimoji="1" lang="ja-JP" altLang="en-US"/>
+          </a:p>
+        </p:txBody>
+      </p:sp>
+      <p:sp>
+        <p:nvSpPr>
+          <p:cNvPr id="14" name="テキスト ボックス 13">
+            <a:extLst>
+              <a:ext uri="{FF2B5EF4-FFF2-40B4-BE49-F238E27FC236}">
+                <a16:creationId xmlns:a16="http://schemas.microsoft.com/office/drawing/2014/main" id="{E66A65F5-7134-4A22-B90A-27FC073FCA9B}"/>
+              </a:ext>
+            </a:extLst>
+          </p:cNvPr>
+          <p:cNvSpPr txBox="1"/>
+          <p:nvPr/>
+        </p:nvSpPr>
+        <p:spPr>
+          <a:xfrm>
+            <a:off x="278636" y="3639956"/>
+            <a:ext cx="737702" cy="369332"/>
+          </a:xfrm>
+          <a:prstGeom prst="rect">
+            <a:avLst/>
+          </a:prstGeom>
+          <a:noFill/>
+        </p:spPr>
+        <p:txBody>
+          <a:bodyPr wrap="none" rtlCol="0">
+            <a:spAutoFit/>
+          </a:bodyPr>
+          <a:lstStyle/>
+          <a:p>
+            <a:r>
+              <a:rPr kumimoji="1" lang="en-US" altLang="ja-JP" dirty="0"/>
+              <a:t>p.2</a:t>
+            </a:r>
+            <a:r>
+              <a:rPr kumimoji="1" lang="ja-JP" altLang="en-US" dirty="0"/>
+              <a:t>へ</a:t>
+            </a:r>
+          </a:p>
+        </p:txBody>
+      </p:sp>
+      <p:sp>
+        <p:nvSpPr>
+          <p:cNvPr id="24" name="テキスト ボックス 23">
+            <a:extLst>
+              <a:ext uri="{FF2B5EF4-FFF2-40B4-BE49-F238E27FC236}">
+                <a16:creationId xmlns:a16="http://schemas.microsoft.com/office/drawing/2014/main" id="{60DBA899-313F-4BB1-8971-5C776F68758A}"/>
+              </a:ext>
+            </a:extLst>
+          </p:cNvPr>
+          <p:cNvSpPr txBox="1"/>
+          <p:nvPr/>
+        </p:nvSpPr>
+        <p:spPr>
+          <a:xfrm>
+            <a:off x="8084300" y="3046526"/>
+            <a:ext cx="737702" cy="369332"/>
+          </a:xfrm>
+          <a:prstGeom prst="rect">
+            <a:avLst/>
+          </a:prstGeom>
+          <a:noFill/>
+        </p:spPr>
+        <p:txBody>
+          <a:bodyPr wrap="none" rtlCol="0">
+            <a:spAutoFit/>
+          </a:bodyPr>
+          <a:lstStyle/>
+          <a:p>
+            <a:r>
+              <a:rPr kumimoji="1" lang="en-US" altLang="ja-JP" dirty="0"/>
+              <a:t>p.3</a:t>
+            </a:r>
+            <a:r>
+              <a:rPr kumimoji="1" lang="ja-JP" altLang="en-US" dirty="0"/>
+              <a:t>へ</a:t>
+            </a:r>
+          </a:p>
+        </p:txBody>
+      </p:sp>
+      <p:sp>
+        <p:nvSpPr>
+          <p:cNvPr id="26" name="左中かっこ 25">
+            <a:extLst>
+              <a:ext uri="{FF2B5EF4-FFF2-40B4-BE49-F238E27FC236}">
+                <a16:creationId xmlns:a16="http://schemas.microsoft.com/office/drawing/2014/main" id="{E09A6BE1-CEC9-413D-9AF1-43A4D92D8F47}"/>
+              </a:ext>
+            </a:extLst>
+          </p:cNvPr>
+          <p:cNvSpPr/>
+          <p:nvPr/>
+        </p:nvSpPr>
+        <p:spPr>
+          <a:xfrm rot="10800000">
+            <a:off x="7622738" y="1576138"/>
+            <a:ext cx="374573" cy="3310108"/>
+          </a:xfrm>
+          <a:prstGeom prst="leftBrace">
+            <a:avLst/>
+          </a:prstGeom>
+        </p:spPr>
+        <p:style>
+          <a:lnRef idx="1">
+            <a:schemeClr val="dk1"/>
+          </a:lnRef>
+          <a:fillRef idx="0">
+            <a:schemeClr val="dk1"/>
+          </a:fillRef>
+          <a:effectRef idx="0">
+            <a:schemeClr val="dk1"/>
+          </a:effectRef>
+          <a:fontRef idx="minor">
+            <a:schemeClr val="tx1"/>
+          </a:fontRef>
+        </p:style>
+        <p:txBody>
+          <a:bodyPr rtlCol="0" anchor="ctr"/>
+          <a:lstStyle/>
+          <a:p>
+            <a:pPr algn="ctr"/>
+            <a:endParaRPr kumimoji="1" lang="ja-JP" altLang="en-US"/>
+          </a:p>
+        </p:txBody>
+      </p:sp>
+      <p:sp>
+        <p:nvSpPr>
+          <p:cNvPr id="29" name="テキスト ボックス 28">
+            <a:extLst>
+              <a:ext uri="{FF2B5EF4-FFF2-40B4-BE49-F238E27FC236}">
+                <a16:creationId xmlns:a16="http://schemas.microsoft.com/office/drawing/2014/main" id="{34175406-1781-411A-BFEC-F46F898BEB48}"/>
+              </a:ext>
+            </a:extLst>
+          </p:cNvPr>
+          <p:cNvSpPr txBox="1"/>
+          <p:nvPr/>
+        </p:nvSpPr>
+        <p:spPr>
+          <a:xfrm>
+            <a:off x="6257101" y="6080985"/>
+            <a:ext cx="737702" cy="369332"/>
+          </a:xfrm>
+          <a:prstGeom prst="rect">
+            <a:avLst/>
+          </a:prstGeom>
+          <a:noFill/>
+        </p:spPr>
+        <p:txBody>
+          <a:bodyPr wrap="none" rtlCol="0">
+            <a:spAutoFit/>
+          </a:bodyPr>
+          <a:lstStyle/>
+          <a:p>
+            <a:r>
+              <a:rPr kumimoji="1" lang="en-US" altLang="ja-JP" dirty="0"/>
+              <a:t>p.4</a:t>
+            </a:r>
+            <a:r>
+              <a:rPr kumimoji="1" lang="ja-JP" altLang="en-US" dirty="0"/>
+              <a:t>へ</a:t>
+            </a:r>
+          </a:p>
+        </p:txBody>
+      </p:sp>
+      <p:sp>
+        <p:nvSpPr>
+          <p:cNvPr id="30" name="左中かっこ 29">
+            <a:extLst>
+              <a:ext uri="{FF2B5EF4-FFF2-40B4-BE49-F238E27FC236}">
+                <a16:creationId xmlns:a16="http://schemas.microsoft.com/office/drawing/2014/main" id="{0F3B82AE-4EF3-45FF-8A90-CCB54B8BE1F3}"/>
+              </a:ext>
+            </a:extLst>
+          </p:cNvPr>
+          <p:cNvSpPr/>
+          <p:nvPr/>
+        </p:nvSpPr>
+        <p:spPr>
+          <a:xfrm rot="10800000">
+            <a:off x="5882528" y="5818090"/>
+            <a:ext cx="374573" cy="895121"/>
+          </a:xfrm>
+          <a:prstGeom prst="leftBrace">
+            <a:avLst/>
+          </a:prstGeom>
+        </p:spPr>
+        <p:style>
+          <a:lnRef idx="1">
+            <a:schemeClr val="dk1"/>
+          </a:lnRef>
+          <a:fillRef idx="0">
+            <a:schemeClr val="dk1"/>
+          </a:fillRef>
+          <a:effectRef idx="0">
+            <a:schemeClr val="dk1"/>
+          </a:effectRef>
+          <a:fontRef idx="minor">
+            <a:schemeClr val="tx1"/>
+          </a:fontRef>
+        </p:style>
+        <p:txBody>
+          <a:bodyPr rtlCol="0" anchor="ctr"/>
+          <a:lstStyle/>
+          <a:p>
+            <a:pPr algn="ctr"/>
+            <a:endParaRPr kumimoji="1" lang="ja-JP" altLang="en-US"/>
           </a:p>
         </p:txBody>
       </p:sp>
@@ -4679,11 +4936,19 @@
           <a:lstStyle/>
           <a:p>
             <a:r>
+              <a:rPr lang="ja-JP" altLang="en-US" sz="2000" dirty="0">
+                <a:hlinkClick r:id="rId2"/>
+              </a:rPr>
+              <a:t>リンク先</a:t>
+            </a:r>
+            <a:r>
               <a:rPr lang="ja-JP" altLang="en-US" sz="2000" dirty="0"/>
-              <a:t>リンク先を参考に</a:t>
-            </a:r>
-            <a:r>
-              <a:rPr lang="en-US" altLang="ja-JP" sz="2000" dirty="0"/>
+              <a:t>を参考に</a:t>
+            </a:r>
+            <a:r>
+              <a:rPr lang="en-US" altLang="ja-JP" sz="2000" dirty="0">
+                <a:hlinkClick r:id="rId3"/>
+              </a:rPr>
               <a:t>homebrew</a:t>
             </a:r>
             <a:r>
@@ -5123,7 +5388,7 @@
             </a:r>
             <a:r>
               <a:rPr lang="ja-JP" altLang="en-US" sz="2000" dirty="0"/>
-              <a:t>の場合，以下コマンドを実行しておく</a:t>
+              <a:t>の場合，以下のコマンドを実行しておく</a:t>
             </a:r>
             <a:endParaRPr lang="en-US" altLang="ja-JP" sz="2000" dirty="0"/>
           </a:p>
@@ -5155,7 +5420,15 @@
           <a:p>
             <a:r>
               <a:rPr lang="ja-JP" altLang="en-US" sz="2000" dirty="0"/>
-              <a:t>以下コマンドを順に実行する</a:t>
+              <a:t>（全</a:t>
+            </a:r>
+            <a:r>
+              <a:rPr lang="en-US" altLang="ja-JP" sz="2000" dirty="0"/>
+              <a:t>OS</a:t>
+            </a:r>
+            <a:r>
+              <a:rPr lang="ja-JP" altLang="en-US" sz="2000" dirty="0"/>
+              <a:t>共通）以下のコマンドを順に実行する</a:t>
             </a:r>
             <a:endParaRPr lang="en-US" altLang="ja-JP" sz="2000" dirty="0"/>
           </a:p>
